--- a/presentations/2019-09 IG Training/FHIR Profiling - Sarah.pptx
+++ b/presentations/2019-09 IG Training/FHIR Profiling - Sarah.pptx
@@ -5,10 +5,10 @@
     <p:sldMasterId id="2147483673" r:id="rId1"/>
   </p:sldMasterIdLst>
   <p:notesMasterIdLst>
-    <p:notesMasterId r:id="rId26"/>
+    <p:notesMasterId r:id="rId27"/>
   </p:notesMasterIdLst>
   <p:handoutMasterIdLst>
-    <p:handoutMasterId r:id="rId27"/>
+    <p:handoutMasterId r:id="rId28"/>
   </p:handoutMasterIdLst>
   <p:sldIdLst>
     <p:sldId id="258" r:id="rId2"/>
@@ -24,17 +24,18 @@
     <p:sldId id="268" r:id="rId12"/>
     <p:sldId id="269" r:id="rId13"/>
     <p:sldId id="270" r:id="rId14"/>
-    <p:sldId id="271" r:id="rId15"/>
-    <p:sldId id="272" r:id="rId16"/>
-    <p:sldId id="273" r:id="rId17"/>
-    <p:sldId id="274" r:id="rId18"/>
-    <p:sldId id="275" r:id="rId19"/>
-    <p:sldId id="276" r:id="rId20"/>
-    <p:sldId id="277" r:id="rId21"/>
-    <p:sldId id="278" r:id="rId22"/>
-    <p:sldId id="279" r:id="rId23"/>
-    <p:sldId id="280" r:id="rId24"/>
-    <p:sldId id="281" r:id="rId25"/>
+    <p:sldId id="285" r:id="rId15"/>
+    <p:sldId id="284" r:id="rId16"/>
+    <p:sldId id="271" r:id="rId17"/>
+    <p:sldId id="272" r:id="rId18"/>
+    <p:sldId id="273" r:id="rId19"/>
+    <p:sldId id="274" r:id="rId20"/>
+    <p:sldId id="276" r:id="rId21"/>
+    <p:sldId id="277" r:id="rId22"/>
+    <p:sldId id="278" r:id="rId23"/>
+    <p:sldId id="279" r:id="rId24"/>
+    <p:sldId id="286" r:id="rId25"/>
+    <p:sldId id="287" r:id="rId26"/>
   </p:sldIdLst>
   <p:sldSz cx="12192000" cy="6858000"/>
   <p:notesSz cx="6858000" cy="9144000"/>
@@ -279,7 +280,7 @@
           <a:p>
             <a:fld id="{DDFBBF1A-5C4C-4870-B444-F2EF0104FD55}" type="datetimeFigureOut">
               <a:rPr lang="en-CA" smtClean="0"/>
-              <a:t>2019-09-10</a:t>
+              <a:t>2019-09-11</a:t>
             </a:fld>
             <a:endParaRPr lang="en-CA"/>
           </a:p>
@@ -969,7 +970,7 @@
             <a:fld id="{B0DA872C-6838-4325-B31E-2A36B74B53EE}" type="datetime1">
               <a:rPr lang="en-CA" smtClean="0"/>
               <a:pPr/>
-              <a:t>2019-09-10</a:t>
+              <a:t>2019-09-11</a:t>
             </a:fld>
             <a:endParaRPr lang="en-US" dirty="0"/>
           </a:p>
@@ -1454,7 +1455,7 @@
             <a:fld id="{B0DA872C-6838-4325-B31E-2A36B74B53EE}" type="datetime1">
               <a:rPr lang="en-CA" smtClean="0"/>
               <a:pPr/>
-              <a:t>2019-09-10</a:t>
+              <a:t>2019-09-11</a:t>
             </a:fld>
             <a:endParaRPr lang="en-US" dirty="0"/>
           </a:p>
@@ -1642,7 +1643,7 @@
             <a:fld id="{B0DA872C-6838-4325-B31E-2A36B74B53EE}" type="datetime1">
               <a:rPr lang="en-CA" smtClean="0"/>
               <a:pPr/>
-              <a:t>2019-09-10</a:t>
+              <a:t>2019-09-11</a:t>
             </a:fld>
             <a:endParaRPr lang="en-US" dirty="0"/>
           </a:p>
@@ -1946,7 +1947,7 @@
             <a:fld id="{B0DA872C-6838-4325-B31E-2A36B74B53EE}" type="datetime1">
               <a:rPr lang="en-CA" smtClean="0"/>
               <a:pPr/>
-              <a:t>2019-09-10</a:t>
+              <a:t>2019-09-11</a:t>
             </a:fld>
             <a:endParaRPr lang="en-US" dirty="0"/>
           </a:p>
@@ -2358,7 +2359,7 @@
             <a:fld id="{B0DA872C-6838-4325-B31E-2A36B74B53EE}" type="datetime1">
               <a:rPr lang="en-CA" smtClean="0"/>
               <a:pPr/>
-              <a:t>2019-09-10</a:t>
+              <a:t>2019-09-11</a:t>
             </a:fld>
             <a:endParaRPr lang="en-US" dirty="0"/>
           </a:p>
@@ -2527,7 +2528,7 @@
             <a:fld id="{B0DA872C-6838-4325-B31E-2A36B74B53EE}" type="datetime1">
               <a:rPr lang="en-CA" smtClean="0"/>
               <a:pPr/>
-              <a:t>2019-09-10</a:t>
+              <a:t>2019-09-11</a:t>
             </a:fld>
             <a:endParaRPr lang="en-US" dirty="0"/>
           </a:p>
@@ -2710,7 +2711,7 @@
             <a:fld id="{B0DA872C-6838-4325-B31E-2A36B74B53EE}" type="datetime1">
               <a:rPr lang="en-CA" smtClean="0"/>
               <a:pPr/>
-              <a:t>2019-09-10</a:t>
+              <a:t>2019-09-11</a:t>
             </a:fld>
             <a:endParaRPr lang="en-US" dirty="0"/>
           </a:p>
@@ -3073,7 +3074,7 @@
             <a:fld id="{B0DA872C-6838-4325-B31E-2A36B74B53EE}" type="datetime1">
               <a:rPr lang="en-CA" smtClean="0"/>
               <a:pPr/>
-              <a:t>2019-09-10</a:t>
+              <a:t>2019-09-11</a:t>
             </a:fld>
             <a:endParaRPr lang="en-US" dirty="0"/>
           </a:p>
@@ -3416,7 +3417,7 @@
             <a:fld id="{B0DA872C-6838-4325-B31E-2A36B74B53EE}" type="datetime1">
               <a:rPr lang="en-CA" smtClean="0"/>
               <a:pPr/>
-              <a:t>2019-09-10</a:t>
+              <a:t>2019-09-11</a:t>
             </a:fld>
             <a:endParaRPr lang="en-US" dirty="0"/>
           </a:p>
@@ -3836,7 +3837,7 @@
             <a:fld id="{B0DA872C-6838-4325-B31E-2A36B74B53EE}" type="datetime1">
               <a:rPr lang="en-CA" smtClean="0"/>
               <a:pPr/>
-              <a:t>2019-09-10</a:t>
+              <a:t>2019-09-11</a:t>
             </a:fld>
             <a:endParaRPr lang="en-US" dirty="0"/>
           </a:p>
@@ -5425,7 +5426,7 @@
           <a:p>
             <a:r>
               <a:rPr lang="en-AU" dirty="0"/>
-              <a:t>Terminology</a:t>
+              <a:t>Terminology - Fixed</a:t>
             </a:r>
             <a:endParaRPr lang="en-US" dirty="0"/>
           </a:p>
@@ -5445,13 +5446,13 @@
         </p:nvSpPr>
         <p:spPr>
           <a:xfrm>
-            <a:off x="4997116" y="864519"/>
+            <a:off x="5448359" y="1667896"/>
             <a:ext cx="1778865" cy="1044491"/>
           </a:xfrm>
           <a:prstGeom prst="wedgeRoundRectCallout">
             <a:avLst>
-              <a:gd name="adj1" fmla="val -84606"/>
-              <a:gd name="adj2" fmla="val 190278"/>
+              <a:gd name="adj1" fmla="val -102375"/>
+              <a:gd name="adj2" fmla="val 115703"/>
               <a:gd name="adj3" fmla="val 16667"/>
             </a:avLst>
           </a:prstGeom>
@@ -5657,7 +5658,7 @@
           <p:cNvPr id="2" name="Title 1">
             <a:extLst>
               <a:ext uri="{FF2B5EF4-FFF2-40B4-BE49-F238E27FC236}">
-                <a16:creationId xmlns:a16="http://schemas.microsoft.com/office/drawing/2014/main" id="{9F6E413F-6A36-430D-BAC5-DB08907E0F69}"/>
+                <a16:creationId xmlns:a16="http://schemas.microsoft.com/office/drawing/2014/main" id="{8339F4A8-63E1-4BB0-9EE7-11778FF518C2}"/>
               </a:ext>
             </a:extLst>
           </p:cNvPr>
@@ -5674,8 +5675,12 @@
           <a:lstStyle/>
           <a:p>
             <a:r>
+              <a:rPr lang="en-AU" dirty="0" err="1"/>
+              <a:t>ValueSet</a:t>
+            </a:r>
+            <a:r>
               <a:rPr lang="en-AU" dirty="0"/>
-              <a:t>Slicing</a:t>
+              <a:t> binding strength</a:t>
             </a:r>
             <a:endParaRPr lang="en-US" dirty="0"/>
           </a:p>
@@ -5686,7 +5691,7 @@
           <p:cNvPr id="3" name="Content Placeholder 2">
             <a:extLst>
               <a:ext uri="{FF2B5EF4-FFF2-40B4-BE49-F238E27FC236}">
-                <a16:creationId xmlns:a16="http://schemas.microsoft.com/office/drawing/2014/main" id="{CFE11251-F610-48F8-AFCA-4C9EBDA0DFD1}"/>
+                <a16:creationId xmlns:a16="http://schemas.microsoft.com/office/drawing/2014/main" id="{A2C5FCFC-386A-4D63-A141-C91BCB0BD873}"/>
               </a:ext>
             </a:extLst>
           </p:cNvPr>
@@ -5699,44 +5704,52 @@
         </p:nvSpPr>
         <p:spPr/>
         <p:txBody>
-          <a:bodyPr/>
+          <a:bodyPr>
+            <a:normAutofit/>
+          </a:bodyPr>
           <a:lstStyle/>
           <a:p>
-            <a:r>
-              <a:rPr lang="en-US" dirty="0"/>
-              <a:t>Take an element that may occur more than once (e.g. in a list), and then split the list into a series of sub-lists, each with different restrictions</a:t>
-            </a:r>
-          </a:p>
-          <a:p>
-            <a:r>
-              <a:rPr lang="en-US" dirty="0"/>
-              <a:t>Classic example is a blood pressure observation where there are two components – systolic and diastolic</a:t>
-            </a:r>
-          </a:p>
-          <a:p>
-            <a:r>
-              <a:rPr lang="en-US" dirty="0"/>
-              <a:t>Each component is a “slice”</a:t>
-            </a:r>
-          </a:p>
-          <a:p>
-            <a:r>
-              <a:rPr lang="en-US" dirty="0"/>
-              <a:t>Each slice has a different, fixed LOINC code to differentiate it from any other component – “systolic” and “diastolic”</a:t>
-            </a:r>
-          </a:p>
-          <a:p>
-            <a:r>
-              <a:rPr lang="en-US" dirty="0"/>
-              <a:t>A discriminator identifies the slice</a:t>
-            </a:r>
+            <a:pPr lvl="1"/>
+            <a:r>
+              <a:rPr lang="en-AU" dirty="0"/>
+              <a:t>Binding Strengths</a:t>
+            </a:r>
+          </a:p>
+          <a:p>
+            <a:pPr lvl="2"/>
+            <a:r>
+              <a:rPr lang="en-AU" dirty="0"/>
+              <a:t>Required – must use a value from specified value set – can’t use any other values</a:t>
+            </a:r>
+          </a:p>
+          <a:p>
+            <a:pPr lvl="2"/>
+            <a:r>
+              <a:rPr lang="en-AU" dirty="0"/>
+              <a:t>Extensible – if a code for the required concept exists in the value set it must be used – otherwise can use another value</a:t>
+            </a:r>
+          </a:p>
+          <a:p>
+            <a:pPr lvl="2"/>
+            <a:r>
+              <a:rPr lang="en-AU" dirty="0"/>
+              <a:t>Preferred – recommended (but not required) value set</a:t>
+            </a:r>
+          </a:p>
+          <a:p>
+            <a:pPr lvl="2"/>
+            <a:r>
+              <a:rPr lang="en-AU" dirty="0"/>
+              <a:t>Example – example value set – not expected to use these values</a:t>
+            </a:r>
+            <a:endParaRPr lang="en-US" dirty="0"/>
           </a:p>
         </p:txBody>
       </p:sp>
     </p:spTree>
     <p:extLst>
       <p:ext uri="{BB962C8B-B14F-4D97-AF65-F5344CB8AC3E}">
-        <p14:creationId xmlns:p14="http://schemas.microsoft.com/office/powerpoint/2010/main" val="3843743443"/>
+        <p14:creationId xmlns:p14="http://schemas.microsoft.com/office/powerpoint/2010/main" val="3377575508"/>
       </p:ext>
     </p:extLst>
   </p:cSld>
@@ -5763,12 +5776,57 @@
           <a:chExt cx="0" cy="0"/>
         </a:xfrm>
       </p:grpSpPr>
+      <p:pic>
+        <p:nvPicPr>
+          <p:cNvPr id="1026" name="Picture 2">
+            <a:extLst>
+              <a:ext uri="{FF2B5EF4-FFF2-40B4-BE49-F238E27FC236}">
+                <a16:creationId xmlns:a16="http://schemas.microsoft.com/office/drawing/2014/main" id="{F1E07863-1437-4A2B-9314-F318247CDDA5}"/>
+              </a:ext>
+            </a:extLst>
+          </p:cNvPr>
+          <p:cNvPicPr>
+            <a:picLocks noChangeAspect="1" noChangeArrowheads="1"/>
+          </p:cNvPicPr>
+          <p:nvPr/>
+        </p:nvPicPr>
+        <p:blipFill>
+          <a:blip r:embed="rId2">
+            <a:extLst>
+              <a:ext uri="{28A0092B-C50C-407E-A947-70E740481C1C}">
+                <a14:useLocalDpi xmlns:a14="http://schemas.microsoft.com/office/drawing/2010/main" val="0"/>
+              </a:ext>
+            </a:extLst>
+          </a:blip>
+          <a:srcRect/>
+          <a:stretch/>
+        </p:blipFill>
+        <p:spPr bwMode="auto">
+          <a:xfrm>
+            <a:off x="407368" y="2151651"/>
+            <a:ext cx="6967693" cy="1564348"/>
+          </a:xfrm>
+          <a:prstGeom prst="rect">
+            <a:avLst/>
+          </a:prstGeom>
+          <a:noFill/>
+          <a:extLst>
+            <a:ext uri="{909E8E84-426E-40DD-AFC4-6F175D3DCCD1}">
+              <a14:hiddenFill xmlns:a14="http://schemas.microsoft.com/office/drawing/2010/main">
+                <a:solidFill>
+                  <a:srgbClr val="FFFFFF"/>
+                </a:solidFill>
+              </a14:hiddenFill>
+            </a:ext>
+          </a:extLst>
+        </p:spPr>
+      </p:pic>
       <p:sp>
         <p:nvSpPr>
           <p:cNvPr id="2" name="Title 1">
             <a:extLst>
               <a:ext uri="{FF2B5EF4-FFF2-40B4-BE49-F238E27FC236}">
-                <a16:creationId xmlns:a16="http://schemas.microsoft.com/office/drawing/2014/main" id="{9F6E413F-6A36-430D-BAC5-DB08907E0F69}"/>
+                <a16:creationId xmlns:a16="http://schemas.microsoft.com/office/drawing/2014/main" id="{C31BA890-EB9D-4C2D-899C-B8AC4958E0B8}"/>
               </a:ext>
             </a:extLst>
           </p:cNvPr>
@@ -5786,7 +5844,7 @@
           <a:p>
             <a:r>
               <a:rPr lang="en-AU" dirty="0"/>
-              <a:t>Slicing - Discriminator</a:t>
+              <a:t>Terminology – Value Sets</a:t>
             </a:r>
             <a:endParaRPr lang="en-US" dirty="0"/>
           </a:p>
@@ -5794,83 +5852,234 @@
       </p:sp>
       <p:sp>
         <p:nvSpPr>
-          <p:cNvPr id="3" name="Content Placeholder 2">
+          <p:cNvPr id="6" name="Speech Bubble: Rectangle with Corners Rounded 5">
             <a:extLst>
               <a:ext uri="{FF2B5EF4-FFF2-40B4-BE49-F238E27FC236}">
-                <a16:creationId xmlns:a16="http://schemas.microsoft.com/office/drawing/2014/main" id="{CFE11251-F610-48F8-AFCA-4C9EBDA0DFD1}"/>
+                <a16:creationId xmlns:a16="http://schemas.microsoft.com/office/drawing/2014/main" id="{19897D2C-7664-489C-BE0F-46857811BBC5}"/>
               </a:ext>
             </a:extLst>
           </p:cNvPr>
-          <p:cNvSpPr>
-            <a:spLocks noGrp="1"/>
-          </p:cNvSpPr>
-          <p:nvPr>
-            <p:ph idx="1"/>
-          </p:nvPr>
-        </p:nvSpPr>
-        <p:spPr/>
-        <p:txBody>
-          <a:bodyPr/>
+          <p:cNvSpPr/>
+          <p:nvPr/>
+        </p:nvSpPr>
+        <p:spPr>
+          <a:xfrm>
+            <a:off x="3891214" y="1728747"/>
+            <a:ext cx="1778865" cy="822325"/>
+          </a:xfrm>
+          <a:prstGeom prst="wedgeRoundRectCallout">
+            <a:avLst>
+              <a:gd name="adj1" fmla="val -73817"/>
+              <a:gd name="adj2" fmla="val 160177"/>
+              <a:gd name="adj3" fmla="val 16667"/>
+            </a:avLst>
+          </a:prstGeom>
+        </p:spPr>
+        <p:style>
+          <a:lnRef idx="2">
+            <a:schemeClr val="dk1"/>
+          </a:lnRef>
+          <a:fillRef idx="1">
+            <a:schemeClr val="lt1"/>
+          </a:fillRef>
+          <a:effectRef idx="0">
+            <a:schemeClr val="dk1"/>
+          </a:effectRef>
+          <a:fontRef idx="minor">
+            <a:schemeClr val="dk1"/>
+          </a:fontRef>
+        </p:style>
+        <p:txBody>
+          <a:bodyPr rtlCol="0" anchor="ctr"/>
           <a:lstStyle/>
           <a:p>
-            <a:r>
-              <a:rPr lang="en-US" dirty="0"/>
-              <a:t>A discriminator identifies the slice – this is what the system checks to distinguish between multiple slices</a:t>
-            </a:r>
-          </a:p>
-          <a:p>
-            <a:r>
-              <a:rPr lang="en-US" dirty="0"/>
-              <a:t>Discriminator types:</a:t>
-            </a:r>
-          </a:p>
-          <a:p>
-            <a:pPr lvl="1"/>
-            <a:r>
-              <a:rPr lang="en-US" dirty="0"/>
-              <a:t>Value</a:t>
-            </a:r>
-          </a:p>
-          <a:p>
-            <a:pPr lvl="1"/>
-            <a:r>
-              <a:rPr lang="en-US" dirty="0"/>
-              <a:t>Exists</a:t>
-            </a:r>
-          </a:p>
-          <a:p>
-            <a:pPr lvl="1"/>
-            <a:r>
-              <a:rPr lang="en-US" dirty="0"/>
-              <a:t>Pattern</a:t>
-            </a:r>
-          </a:p>
-          <a:p>
-            <a:pPr lvl="1"/>
-            <a:r>
-              <a:rPr lang="en-US" dirty="0"/>
-              <a:t>Type</a:t>
-            </a:r>
-          </a:p>
-          <a:p>
-            <a:pPr lvl="1"/>
-            <a:r>
-              <a:rPr lang="en-US" dirty="0"/>
-              <a:t>Profile</a:t>
-            </a:r>
-          </a:p>
-          <a:p>
-            <a:r>
-              <a:rPr lang="en-US" dirty="0"/>
-              <a:t>Blood pressure example would be “Value” – the system would check the value of the element for “systolic” or “diastolic”</a:t>
-            </a:r>
+            <a:pPr algn="ctr"/>
+            <a:r>
+              <a:rPr lang="en-AU" sz="1100" dirty="0"/>
+              <a:t>Base Questionnaire coded element but no terminology specified</a:t>
+            </a:r>
+            <a:endParaRPr lang="en-US" sz="1100" dirty="0"/>
+          </a:p>
+        </p:txBody>
+      </p:sp>
+      <p:pic>
+        <p:nvPicPr>
+          <p:cNvPr id="9" name="Picture 8">
+            <a:extLst>
+              <a:ext uri="{FF2B5EF4-FFF2-40B4-BE49-F238E27FC236}">
+                <a16:creationId xmlns:a16="http://schemas.microsoft.com/office/drawing/2014/main" id="{012F4C6B-3EC0-417B-A832-E583B041E281}"/>
+              </a:ext>
+            </a:extLst>
+          </p:cNvPr>
+          <p:cNvPicPr>
+            <a:picLocks noChangeAspect="1"/>
+          </p:cNvPicPr>
+          <p:nvPr/>
+        </p:nvPicPr>
+        <p:blipFill>
+          <a:blip r:embed="rId3">
+            <a:extLst>
+              <a:ext uri="{28A0092B-C50C-407E-A947-70E740481C1C}">
+                <a14:useLocalDpi xmlns:a14="http://schemas.microsoft.com/office/drawing/2010/main" val="0"/>
+              </a:ext>
+            </a:extLst>
+          </a:blip>
+          <a:srcRect/>
+          <a:stretch/>
+        </p:blipFill>
+        <p:spPr>
+          <a:xfrm>
+            <a:off x="937393" y="3928779"/>
+            <a:ext cx="6541841" cy="2474241"/>
+          </a:xfrm>
+          <a:prstGeom prst="rect">
+            <a:avLst/>
+          </a:prstGeom>
+        </p:spPr>
+      </p:pic>
+      <p:sp>
+        <p:nvSpPr>
+          <p:cNvPr id="8" name="Speech Bubble: Rectangle with Corners Rounded 7">
+            <a:extLst>
+              <a:ext uri="{FF2B5EF4-FFF2-40B4-BE49-F238E27FC236}">
+                <a16:creationId xmlns:a16="http://schemas.microsoft.com/office/drawing/2014/main" id="{846536DF-DBCE-4530-9E79-B0741BC40221}"/>
+              </a:ext>
+            </a:extLst>
+          </p:cNvPr>
+          <p:cNvSpPr/>
+          <p:nvPr/>
+        </p:nvSpPr>
+        <p:spPr>
+          <a:xfrm>
+            <a:off x="7487783" y="4885699"/>
+            <a:ext cx="1992211" cy="919566"/>
+          </a:xfrm>
+          <a:prstGeom prst="wedgeRoundRectCallout">
+            <a:avLst>
+              <a:gd name="adj1" fmla="val -152700"/>
+              <a:gd name="adj2" fmla="val 77520"/>
+              <a:gd name="adj3" fmla="val 16667"/>
+            </a:avLst>
+          </a:prstGeom>
+        </p:spPr>
+        <p:style>
+          <a:lnRef idx="2">
+            <a:schemeClr val="dk1"/>
+          </a:lnRef>
+          <a:fillRef idx="1">
+            <a:schemeClr val="lt1"/>
+          </a:fillRef>
+          <a:effectRef idx="0">
+            <a:schemeClr val="dk1"/>
+          </a:effectRef>
+          <a:fontRef idx="minor">
+            <a:schemeClr val="dk1"/>
+          </a:fontRef>
+        </p:style>
+        <p:txBody>
+          <a:bodyPr rtlCol="0" anchor="ctr"/>
+          <a:lstStyle/>
+          <a:p>
+            <a:pPr algn="ctr"/>
+            <a:r>
+              <a:rPr lang="en-AU" sz="1100" dirty="0"/>
+              <a:t>Resulting profile in an IG showing constrained terminology on code slice.</a:t>
+            </a:r>
+            <a:endParaRPr lang="en-US" sz="1100" dirty="0"/>
+          </a:p>
+        </p:txBody>
+      </p:sp>
+      <p:pic>
+        <p:nvPicPr>
+          <p:cNvPr id="11" name="Picture 10">
+            <a:extLst>
+              <a:ext uri="{FF2B5EF4-FFF2-40B4-BE49-F238E27FC236}">
+                <a16:creationId xmlns:a16="http://schemas.microsoft.com/office/drawing/2014/main" id="{A3C82CA3-A5C3-490B-A954-B084888EC7B9}"/>
+              </a:ext>
+            </a:extLst>
+          </p:cNvPr>
+          <p:cNvPicPr>
+            <a:picLocks noChangeAspect="1"/>
+          </p:cNvPicPr>
+          <p:nvPr/>
+        </p:nvPicPr>
+        <p:blipFill>
+          <a:blip r:embed="rId4">
+            <a:extLst>
+              <a:ext uri="{28A0092B-C50C-407E-A947-70E740481C1C}">
+                <a14:useLocalDpi xmlns:a14="http://schemas.microsoft.com/office/drawing/2010/main" val="0"/>
+              </a:ext>
+            </a:extLst>
+          </a:blip>
+          <a:srcRect/>
+          <a:stretch/>
+        </p:blipFill>
+        <p:spPr>
+          <a:xfrm>
+            <a:off x="6122884" y="2128168"/>
+            <a:ext cx="5805764" cy="2110376"/>
+          </a:xfrm>
+          <a:prstGeom prst="rect">
+            <a:avLst/>
+          </a:prstGeom>
+        </p:spPr>
+      </p:pic>
+      <p:sp>
+        <p:nvSpPr>
+          <p:cNvPr id="7" name="Speech Bubble: Rectangle with Corners Rounded 6">
+            <a:extLst>
+              <a:ext uri="{FF2B5EF4-FFF2-40B4-BE49-F238E27FC236}">
+                <a16:creationId xmlns:a16="http://schemas.microsoft.com/office/drawing/2014/main" id="{BAC061CE-3557-4502-8875-C1E497EBA570}"/>
+              </a:ext>
+            </a:extLst>
+          </p:cNvPr>
+          <p:cNvSpPr/>
+          <p:nvPr/>
+        </p:nvSpPr>
+        <p:spPr>
+          <a:xfrm>
+            <a:off x="9479994" y="1942555"/>
+            <a:ext cx="2304638" cy="1193678"/>
+          </a:xfrm>
+          <a:prstGeom prst="wedgeRoundRectCallout">
+            <a:avLst>
+              <a:gd name="adj1" fmla="val -78151"/>
+              <a:gd name="adj2" fmla="val 68808"/>
+              <a:gd name="adj3" fmla="val 16667"/>
+            </a:avLst>
+          </a:prstGeom>
+        </p:spPr>
+        <p:style>
+          <a:lnRef idx="2">
+            <a:schemeClr val="dk1"/>
+          </a:lnRef>
+          <a:fillRef idx="1">
+            <a:schemeClr val="lt1"/>
+          </a:fillRef>
+          <a:effectRef idx="0">
+            <a:schemeClr val="dk1"/>
+          </a:effectRef>
+          <a:fontRef idx="minor">
+            <a:schemeClr val="dk1"/>
+          </a:fontRef>
+        </p:style>
+        <p:txBody>
+          <a:bodyPr rtlCol="0" anchor="ctr"/>
+          <a:lstStyle/>
+          <a:p>
+            <a:pPr algn="ctr"/>
+            <a:r>
+              <a:rPr lang="en-AU" sz="1100" dirty="0"/>
+              <a:t>StructureDefinition for a profile on Questionnaire – constrains terminology to a specific value set. Strength of binding is “required” (SHALL use a value from this value set).</a:t>
+            </a:r>
+            <a:endParaRPr lang="en-US" sz="1100" dirty="0"/>
           </a:p>
         </p:txBody>
       </p:sp>
     </p:spTree>
     <p:extLst>
       <p:ext uri="{BB962C8B-B14F-4D97-AF65-F5344CB8AC3E}">
-        <p14:creationId xmlns:p14="http://schemas.microsoft.com/office/powerpoint/2010/main" val="3650289964"/>
+        <p14:creationId xmlns:p14="http://schemas.microsoft.com/office/powerpoint/2010/main" val="2275489619"/>
       </p:ext>
     </p:extLst>
   </p:cSld>
@@ -5897,6 +6106,251 @@
           <a:chExt cx="0" cy="0"/>
         </a:xfrm>
       </p:grpSpPr>
+      <p:sp>
+        <p:nvSpPr>
+          <p:cNvPr id="2" name="Title 1">
+            <a:extLst>
+              <a:ext uri="{FF2B5EF4-FFF2-40B4-BE49-F238E27FC236}">
+                <a16:creationId xmlns:a16="http://schemas.microsoft.com/office/drawing/2014/main" id="{9F6E413F-6A36-430D-BAC5-DB08907E0F69}"/>
+              </a:ext>
+            </a:extLst>
+          </p:cNvPr>
+          <p:cNvSpPr>
+            <a:spLocks noGrp="1"/>
+          </p:cNvSpPr>
+          <p:nvPr>
+            <p:ph type="title"/>
+          </p:nvPr>
+        </p:nvSpPr>
+        <p:spPr/>
+        <p:txBody>
+          <a:bodyPr/>
+          <a:lstStyle/>
+          <a:p>
+            <a:r>
+              <a:rPr lang="en-AU" dirty="0"/>
+              <a:t>Slicing</a:t>
+            </a:r>
+            <a:endParaRPr lang="en-US" dirty="0"/>
+          </a:p>
+        </p:txBody>
+      </p:sp>
+      <p:sp>
+        <p:nvSpPr>
+          <p:cNvPr id="3" name="Content Placeholder 2">
+            <a:extLst>
+              <a:ext uri="{FF2B5EF4-FFF2-40B4-BE49-F238E27FC236}">
+                <a16:creationId xmlns:a16="http://schemas.microsoft.com/office/drawing/2014/main" id="{CFE11251-F610-48F8-AFCA-4C9EBDA0DFD1}"/>
+              </a:ext>
+            </a:extLst>
+          </p:cNvPr>
+          <p:cNvSpPr>
+            <a:spLocks noGrp="1"/>
+          </p:cNvSpPr>
+          <p:nvPr>
+            <p:ph idx="1"/>
+          </p:nvPr>
+        </p:nvSpPr>
+        <p:spPr/>
+        <p:txBody>
+          <a:bodyPr/>
+          <a:lstStyle/>
+          <a:p>
+            <a:r>
+              <a:rPr lang="en-US" sz="2800" dirty="0"/>
+              <a:t>Take an element that may occur more than once (e.g. in a list), and then split the list into a series of sub-lists, each with different restrictions</a:t>
+            </a:r>
+          </a:p>
+          <a:p>
+            <a:r>
+              <a:rPr lang="en-US" sz="2800" dirty="0"/>
+              <a:t>Classic example is a blood pressure observation where there are two components – systolic and diastolic</a:t>
+            </a:r>
+          </a:p>
+          <a:p>
+            <a:r>
+              <a:rPr lang="en-US" sz="2800" dirty="0"/>
+              <a:t>Each component is a “slice”</a:t>
+            </a:r>
+          </a:p>
+          <a:p>
+            <a:r>
+              <a:rPr lang="en-US" sz="2800" dirty="0"/>
+              <a:t>Each slice has a different, fixed LOINC code to differentiate it from any other component – “systolic” and “diastolic”</a:t>
+            </a:r>
+          </a:p>
+          <a:p>
+            <a:r>
+              <a:rPr lang="en-US" sz="2800" dirty="0"/>
+              <a:t>A discriminator identifies the slice</a:t>
+            </a:r>
+          </a:p>
+        </p:txBody>
+      </p:sp>
+    </p:spTree>
+    <p:extLst>
+      <p:ext uri="{BB962C8B-B14F-4D97-AF65-F5344CB8AC3E}">
+        <p14:creationId xmlns:p14="http://schemas.microsoft.com/office/powerpoint/2010/main" val="3843743443"/>
+      </p:ext>
+    </p:extLst>
+  </p:cSld>
+  <p:clrMapOvr>
+    <a:masterClrMapping/>
+  </p:clrMapOvr>
+</p:sld>
+</file>
+
+<file path=ppt/slides/slide17.xml><?xml version="1.0" encoding="utf-8"?>
+<p:sld xmlns:a="http://schemas.openxmlformats.org/drawingml/2006/main" xmlns:r="http://schemas.openxmlformats.org/officeDocument/2006/relationships" xmlns:p="http://schemas.openxmlformats.org/presentationml/2006/main">
+  <p:cSld>
+    <p:spTree>
+      <p:nvGrpSpPr>
+        <p:cNvPr id="1" name=""/>
+        <p:cNvGrpSpPr/>
+        <p:nvPr/>
+      </p:nvGrpSpPr>
+      <p:grpSpPr>
+        <a:xfrm>
+          <a:off x="0" y="0"/>
+          <a:ext cx="0" cy="0"/>
+          <a:chOff x="0" y="0"/>
+          <a:chExt cx="0" cy="0"/>
+        </a:xfrm>
+      </p:grpSpPr>
+      <p:sp>
+        <p:nvSpPr>
+          <p:cNvPr id="2" name="Title 1">
+            <a:extLst>
+              <a:ext uri="{FF2B5EF4-FFF2-40B4-BE49-F238E27FC236}">
+                <a16:creationId xmlns:a16="http://schemas.microsoft.com/office/drawing/2014/main" id="{9F6E413F-6A36-430D-BAC5-DB08907E0F69}"/>
+              </a:ext>
+            </a:extLst>
+          </p:cNvPr>
+          <p:cNvSpPr>
+            <a:spLocks noGrp="1"/>
+          </p:cNvSpPr>
+          <p:nvPr>
+            <p:ph type="title"/>
+          </p:nvPr>
+        </p:nvSpPr>
+        <p:spPr/>
+        <p:txBody>
+          <a:bodyPr/>
+          <a:lstStyle/>
+          <a:p>
+            <a:r>
+              <a:rPr lang="en-AU" dirty="0"/>
+              <a:t>Slicing - Discriminator</a:t>
+            </a:r>
+            <a:endParaRPr lang="en-US" dirty="0"/>
+          </a:p>
+        </p:txBody>
+      </p:sp>
+      <p:sp>
+        <p:nvSpPr>
+          <p:cNvPr id="3" name="Content Placeholder 2">
+            <a:extLst>
+              <a:ext uri="{FF2B5EF4-FFF2-40B4-BE49-F238E27FC236}">
+                <a16:creationId xmlns:a16="http://schemas.microsoft.com/office/drawing/2014/main" id="{CFE11251-F610-48F8-AFCA-4C9EBDA0DFD1}"/>
+              </a:ext>
+            </a:extLst>
+          </p:cNvPr>
+          <p:cNvSpPr>
+            <a:spLocks noGrp="1"/>
+          </p:cNvSpPr>
+          <p:nvPr>
+            <p:ph idx="1"/>
+          </p:nvPr>
+        </p:nvSpPr>
+        <p:spPr/>
+        <p:txBody>
+          <a:bodyPr/>
+          <a:lstStyle/>
+          <a:p>
+            <a:r>
+              <a:rPr lang="en-US" sz="2400" dirty="0"/>
+              <a:t>A discriminator identifies the slice – this is what the system checks to distinguish between multiple slices</a:t>
+            </a:r>
+          </a:p>
+          <a:p>
+            <a:r>
+              <a:rPr lang="en-US" sz="2400" dirty="0"/>
+              <a:t>Discriminator types:</a:t>
+            </a:r>
+          </a:p>
+          <a:p>
+            <a:pPr lvl="1"/>
+            <a:r>
+              <a:rPr lang="en-US" sz="2000" dirty="0"/>
+              <a:t>Value</a:t>
+            </a:r>
+          </a:p>
+          <a:p>
+            <a:pPr lvl="1"/>
+            <a:r>
+              <a:rPr lang="en-US" sz="2000" dirty="0"/>
+              <a:t>Exists</a:t>
+            </a:r>
+          </a:p>
+          <a:p>
+            <a:pPr lvl="1"/>
+            <a:r>
+              <a:rPr lang="en-US" sz="2000" dirty="0"/>
+              <a:t>Pattern</a:t>
+            </a:r>
+          </a:p>
+          <a:p>
+            <a:pPr lvl="1"/>
+            <a:r>
+              <a:rPr lang="en-US" sz="2000" dirty="0"/>
+              <a:t>Type</a:t>
+            </a:r>
+          </a:p>
+          <a:p>
+            <a:pPr lvl="1"/>
+            <a:r>
+              <a:rPr lang="en-US" sz="2000" dirty="0"/>
+              <a:t>Profile</a:t>
+            </a:r>
+          </a:p>
+          <a:p>
+            <a:r>
+              <a:rPr lang="en-US" sz="2400" dirty="0"/>
+              <a:t>Blood pressure example would be “Value” – the system would check the value of the element for “systolic” or “diastolic”</a:t>
+            </a:r>
+          </a:p>
+        </p:txBody>
+      </p:sp>
+    </p:spTree>
+    <p:extLst>
+      <p:ext uri="{BB962C8B-B14F-4D97-AF65-F5344CB8AC3E}">
+        <p14:creationId xmlns:p14="http://schemas.microsoft.com/office/powerpoint/2010/main" val="3650289964"/>
+      </p:ext>
+    </p:extLst>
+  </p:cSld>
+  <p:clrMapOvr>
+    <a:masterClrMapping/>
+  </p:clrMapOvr>
+</p:sld>
+</file>
+
+<file path=ppt/slides/slide18.xml><?xml version="1.0" encoding="utf-8"?>
+<p:sld xmlns:a="http://schemas.openxmlformats.org/drawingml/2006/main" xmlns:r="http://schemas.openxmlformats.org/officeDocument/2006/relationships" xmlns:p="http://schemas.openxmlformats.org/presentationml/2006/main">
+  <p:cSld>
+    <p:spTree>
+      <p:nvGrpSpPr>
+        <p:cNvPr id="1" name=""/>
+        <p:cNvGrpSpPr/>
+        <p:nvPr/>
+      </p:nvGrpSpPr>
+      <p:grpSpPr>
+        <a:xfrm>
+          <a:off x="0" y="0"/>
+          <a:ext cx="0" cy="0"/>
+          <a:chOff x="0" y="0"/>
+          <a:chExt cx="0" cy="0"/>
+        </a:xfrm>
+      </p:grpSpPr>
       <p:pic>
         <p:nvPicPr>
           <p:cNvPr id="11" name="Picture 10">
@@ -5924,7 +6378,7 @@
         </p:blipFill>
         <p:spPr>
           <a:xfrm>
-            <a:off x="6990256" y="1062649"/>
+            <a:off x="7067238" y="1564105"/>
             <a:ext cx="4525852" cy="5039993"/>
           </a:xfrm>
           <a:prstGeom prst="rect">
@@ -6080,13 +6534,13 @@
         </p:nvSpPr>
         <p:spPr>
           <a:xfrm>
-            <a:off x="10042358" y="755358"/>
+            <a:off x="9822586" y="2495053"/>
             <a:ext cx="1778865" cy="1044491"/>
           </a:xfrm>
           <a:prstGeom prst="wedgeRoundRectCallout">
             <a:avLst>
-              <a:gd name="adj1" fmla="val -70178"/>
-              <a:gd name="adj2" fmla="val 36689"/>
+              <a:gd name="adj1" fmla="val -103813"/>
+              <a:gd name="adj2" fmla="val -16271"/>
               <a:gd name="adj3" fmla="val 16667"/>
             </a:avLst>
           </a:prstGeom>
@@ -6171,13 +6625,13 @@
         </p:nvSpPr>
         <p:spPr>
           <a:xfrm>
-            <a:off x="4823339" y="3254659"/>
+            <a:off x="3004905" y="3172460"/>
             <a:ext cx="1992211" cy="1044491"/>
           </a:xfrm>
           <a:prstGeom prst="wedgeRoundRectCallout">
             <a:avLst>
-              <a:gd name="adj1" fmla="val -194975"/>
-              <a:gd name="adj2" fmla="val 161863"/>
+              <a:gd name="adj1" fmla="val -70878"/>
+              <a:gd name="adj2" fmla="val 158621"/>
               <a:gd name="adj3" fmla="val 16667"/>
             </a:avLst>
           </a:prstGeom>
@@ -6217,191 +6671,6 @@
     <p:extLst>
       <p:ext uri="{BB962C8B-B14F-4D97-AF65-F5344CB8AC3E}">
         <p14:creationId xmlns:p14="http://schemas.microsoft.com/office/powerpoint/2010/main" val="2066846527"/>
-      </p:ext>
-    </p:extLst>
-  </p:cSld>
-  <p:clrMapOvr>
-    <a:masterClrMapping/>
-  </p:clrMapOvr>
-</p:sld>
-</file>
-
-<file path=ppt/slides/slide17.xml><?xml version="1.0" encoding="utf-8"?>
-<p:sld xmlns:a="http://schemas.openxmlformats.org/drawingml/2006/main" xmlns:r="http://schemas.openxmlformats.org/officeDocument/2006/relationships" xmlns:p="http://schemas.openxmlformats.org/presentationml/2006/main">
-  <p:cSld>
-    <p:spTree>
-      <p:nvGrpSpPr>
-        <p:cNvPr id="1" name=""/>
-        <p:cNvGrpSpPr/>
-        <p:nvPr/>
-      </p:nvGrpSpPr>
-      <p:grpSpPr>
-        <a:xfrm>
-          <a:off x="0" y="0"/>
-          <a:ext cx="0" cy="0"/>
-          <a:chOff x="0" y="0"/>
-          <a:chExt cx="0" cy="0"/>
-        </a:xfrm>
-      </p:grpSpPr>
-      <p:sp>
-        <p:nvSpPr>
-          <p:cNvPr id="2" name="Title 1">
-            <a:extLst>
-              <a:ext uri="{FF2B5EF4-FFF2-40B4-BE49-F238E27FC236}">
-                <a16:creationId xmlns:a16="http://schemas.microsoft.com/office/drawing/2014/main" id="{162E48C8-68AD-4F0E-996D-EC17A0FFF088}"/>
-              </a:ext>
-            </a:extLst>
-          </p:cNvPr>
-          <p:cNvSpPr>
-            <a:spLocks noGrp="1"/>
-          </p:cNvSpPr>
-          <p:nvPr>
-            <p:ph type="title"/>
-          </p:nvPr>
-        </p:nvSpPr>
-        <p:spPr/>
-        <p:txBody>
-          <a:bodyPr/>
-          <a:lstStyle/>
-          <a:p>
-            <a:r>
-              <a:rPr lang="en-AU" dirty="0"/>
-              <a:t>Must Support</a:t>
-            </a:r>
-            <a:endParaRPr lang="en-US" dirty="0"/>
-          </a:p>
-        </p:txBody>
-      </p:sp>
-      <p:sp>
-        <p:nvSpPr>
-          <p:cNvPr id="3" name="Content Placeholder 2">
-            <a:extLst>
-              <a:ext uri="{FF2B5EF4-FFF2-40B4-BE49-F238E27FC236}">
-                <a16:creationId xmlns:a16="http://schemas.microsoft.com/office/drawing/2014/main" id="{F0A506AA-D8B7-40D1-8CFA-88B2A3B0732F}"/>
-              </a:ext>
-            </a:extLst>
-          </p:cNvPr>
-          <p:cNvSpPr>
-            <a:spLocks noGrp="1"/>
-          </p:cNvSpPr>
-          <p:nvPr>
-            <p:ph idx="1"/>
-          </p:nvPr>
-        </p:nvSpPr>
-        <p:spPr/>
-        <p:txBody>
-          <a:bodyPr/>
-          <a:lstStyle/>
-          <a:p>
-            <a:endParaRPr lang="en-US"/>
-          </a:p>
-        </p:txBody>
-      </p:sp>
-    </p:spTree>
-    <p:extLst>
-      <p:ext uri="{BB962C8B-B14F-4D97-AF65-F5344CB8AC3E}">
-        <p14:creationId xmlns:p14="http://schemas.microsoft.com/office/powerpoint/2010/main" val="4105804784"/>
-      </p:ext>
-    </p:extLst>
-  </p:cSld>
-  <p:clrMapOvr>
-    <a:masterClrMapping/>
-  </p:clrMapOvr>
-</p:sld>
-</file>
-
-<file path=ppt/slides/slide18.xml><?xml version="1.0" encoding="utf-8"?>
-<p:sld xmlns:a="http://schemas.openxmlformats.org/drawingml/2006/main" xmlns:r="http://schemas.openxmlformats.org/officeDocument/2006/relationships" xmlns:p="http://schemas.openxmlformats.org/presentationml/2006/main">
-  <p:cSld>
-    <p:spTree>
-      <p:nvGrpSpPr>
-        <p:cNvPr id="1" name=""/>
-        <p:cNvGrpSpPr/>
-        <p:nvPr/>
-      </p:nvGrpSpPr>
-      <p:grpSpPr>
-        <a:xfrm>
-          <a:off x="0" y="0"/>
-          <a:ext cx="0" cy="0"/>
-          <a:chOff x="0" y="0"/>
-          <a:chExt cx="0" cy="0"/>
-        </a:xfrm>
-      </p:grpSpPr>
-      <p:sp>
-        <p:nvSpPr>
-          <p:cNvPr id="2" name="Title 1">
-            <a:extLst>
-              <a:ext uri="{FF2B5EF4-FFF2-40B4-BE49-F238E27FC236}">
-                <a16:creationId xmlns:a16="http://schemas.microsoft.com/office/drawing/2014/main" id="{BB4D0045-41EA-4919-92AD-9DBAF4194554}"/>
-              </a:ext>
-            </a:extLst>
-          </p:cNvPr>
-          <p:cNvSpPr>
-            <a:spLocks noGrp="1"/>
-          </p:cNvSpPr>
-          <p:nvPr>
-            <p:ph type="title"/>
-          </p:nvPr>
-        </p:nvSpPr>
-        <p:spPr/>
-        <p:txBody>
-          <a:bodyPr/>
-          <a:lstStyle/>
-          <a:p>
-            <a:r>
-              <a:rPr lang="en-AU" dirty="0"/>
-              <a:t>Profiling Resources</a:t>
-            </a:r>
-            <a:endParaRPr lang="en-US" dirty="0"/>
-          </a:p>
-        </p:txBody>
-      </p:sp>
-      <p:sp>
-        <p:nvSpPr>
-          <p:cNvPr id="3" name="Content Placeholder 2">
-            <a:extLst>
-              <a:ext uri="{FF2B5EF4-FFF2-40B4-BE49-F238E27FC236}">
-                <a16:creationId xmlns:a16="http://schemas.microsoft.com/office/drawing/2014/main" id="{CA002872-805B-41FF-86AD-D4B454176FCF}"/>
-              </a:ext>
-            </a:extLst>
-          </p:cNvPr>
-          <p:cNvSpPr>
-            <a:spLocks noGrp="1"/>
-          </p:cNvSpPr>
-          <p:nvPr>
-            <p:ph idx="1"/>
-          </p:nvPr>
-        </p:nvSpPr>
-        <p:spPr/>
-        <p:txBody>
-          <a:bodyPr/>
-          <a:lstStyle/>
-          <a:p>
-            <a:r>
-              <a:rPr lang="en-AU" dirty="0"/>
-              <a:t>StructureDefinition (defines the profile)</a:t>
-            </a:r>
-          </a:p>
-          <a:p>
-            <a:r>
-              <a:rPr lang="en-AU" dirty="0" err="1"/>
-              <a:t>ValueSet</a:t>
-            </a:r>
-            <a:endParaRPr lang="en-AU" dirty="0"/>
-          </a:p>
-          <a:p>
-            <a:r>
-              <a:rPr lang="en-AU" dirty="0"/>
-              <a:t>CodeSystem</a:t>
-            </a:r>
-            <a:endParaRPr lang="en-US" dirty="0"/>
-          </a:p>
-        </p:txBody>
-      </p:sp>
-    </p:spTree>
-    <p:extLst>
-      <p:ext uri="{BB962C8B-B14F-4D97-AF65-F5344CB8AC3E}">
-        <p14:creationId xmlns:p14="http://schemas.microsoft.com/office/powerpoint/2010/main" val="1729972182"/>
       </p:ext>
     </p:extLst>
   </p:cSld>
@@ -6433,7 +6702,7 @@
           <p:cNvPr id="2" name="Title 1">
             <a:extLst>
               <a:ext uri="{FF2B5EF4-FFF2-40B4-BE49-F238E27FC236}">
-                <a16:creationId xmlns:a16="http://schemas.microsoft.com/office/drawing/2014/main" id="{2B6DD43E-899B-4AD9-9485-B929C2B9E588}"/>
+                <a16:creationId xmlns:a16="http://schemas.microsoft.com/office/drawing/2014/main" id="{162E48C8-68AD-4F0E-996D-EC17A0FFF088}"/>
               </a:ext>
             </a:extLst>
           </p:cNvPr>
@@ -6451,7 +6720,7 @@
           <a:p>
             <a:r>
               <a:rPr lang="en-AU" dirty="0"/>
-              <a:t>StructureDefinition Resource</a:t>
+              <a:t>Must Support</a:t>
             </a:r>
             <a:endParaRPr lang="en-US" dirty="0"/>
           </a:p>
@@ -6462,7 +6731,7 @@
           <p:cNvPr id="3" name="Content Placeholder 2">
             <a:extLst>
               <a:ext uri="{FF2B5EF4-FFF2-40B4-BE49-F238E27FC236}">
-                <a16:creationId xmlns:a16="http://schemas.microsoft.com/office/drawing/2014/main" id="{C06637F1-043D-4558-A744-E16845AD017E}"/>
+                <a16:creationId xmlns:a16="http://schemas.microsoft.com/office/drawing/2014/main" id="{F0A506AA-D8B7-40D1-8CFA-88B2A3B0732F}"/>
               </a:ext>
             </a:extLst>
           </p:cNvPr>
@@ -6479,20 +6748,14 @@
           <a:lstStyle/>
           <a:p>
             <a:r>
-              <a:rPr lang="en-AU" dirty="0"/>
-              <a:t>A definition of a FHIR structure</a:t>
-            </a:r>
-          </a:p>
-          <a:p>
-            <a:r>
-              <a:rPr lang="en-AU" dirty="0"/>
-              <a:t>Used to define base FHIR resources, data types, extensions, etc.</a:t>
-            </a:r>
-          </a:p>
-          <a:p>
-            <a:r>
-              <a:rPr lang="en-AU" dirty="0"/>
-              <a:t>Describes a structure – a set of data element definitions, and their associated rules of usage</a:t>
+              <a:rPr lang="en-US" dirty="0"/>
+              <a:t>Implementers SHALL provide "support" for the element in some meaningful way</a:t>
+            </a:r>
+          </a:p>
+          <a:p>
+            <a:r>
+              <a:rPr lang="en-US" dirty="0"/>
+              <a:t>Often used for items that we want to require, but for which data sometimes does not exist (e.g. allergies)</a:t>
             </a:r>
           </a:p>
           <a:p>
@@ -6503,7 +6766,7 @@
     </p:spTree>
     <p:extLst>
       <p:ext uri="{BB962C8B-B14F-4D97-AF65-F5344CB8AC3E}">
-        <p14:creationId xmlns:p14="http://schemas.microsoft.com/office/powerpoint/2010/main" val="2307991750"/>
+        <p14:creationId xmlns:p14="http://schemas.microsoft.com/office/powerpoint/2010/main" val="4105804784"/>
       </p:ext>
     </p:extLst>
   </p:cSld>
@@ -6733,6 +6996,108 @@
           <p:cNvPr id="2" name="Title 1">
             <a:extLst>
               <a:ext uri="{FF2B5EF4-FFF2-40B4-BE49-F238E27FC236}">
+                <a16:creationId xmlns:a16="http://schemas.microsoft.com/office/drawing/2014/main" id="{2B6DD43E-899B-4AD9-9485-B929C2B9E588}"/>
+              </a:ext>
+            </a:extLst>
+          </p:cNvPr>
+          <p:cNvSpPr>
+            <a:spLocks noGrp="1"/>
+          </p:cNvSpPr>
+          <p:nvPr>
+            <p:ph type="title"/>
+          </p:nvPr>
+        </p:nvSpPr>
+        <p:spPr/>
+        <p:txBody>
+          <a:bodyPr/>
+          <a:lstStyle/>
+          <a:p>
+            <a:r>
+              <a:rPr lang="en-AU" dirty="0"/>
+              <a:t>StructureDefinition Resource</a:t>
+            </a:r>
+            <a:endParaRPr lang="en-US" dirty="0"/>
+          </a:p>
+        </p:txBody>
+      </p:sp>
+      <p:sp>
+        <p:nvSpPr>
+          <p:cNvPr id="3" name="Content Placeholder 2">
+            <a:extLst>
+              <a:ext uri="{FF2B5EF4-FFF2-40B4-BE49-F238E27FC236}">
+                <a16:creationId xmlns:a16="http://schemas.microsoft.com/office/drawing/2014/main" id="{C06637F1-043D-4558-A744-E16845AD017E}"/>
+              </a:ext>
+            </a:extLst>
+          </p:cNvPr>
+          <p:cNvSpPr>
+            <a:spLocks noGrp="1"/>
+          </p:cNvSpPr>
+          <p:nvPr>
+            <p:ph idx="1"/>
+          </p:nvPr>
+        </p:nvSpPr>
+        <p:spPr/>
+        <p:txBody>
+          <a:bodyPr/>
+          <a:lstStyle/>
+          <a:p>
+            <a:r>
+              <a:rPr lang="en-AU" dirty="0"/>
+              <a:t>StructureDefinition Resource the definition of a FHIR structure</a:t>
+            </a:r>
+          </a:p>
+          <a:p>
+            <a:r>
+              <a:rPr lang="en-AU" dirty="0"/>
+              <a:t>Used to define base FHIR resources, data types, extensions, etc.</a:t>
+            </a:r>
+          </a:p>
+          <a:p>
+            <a:r>
+              <a:rPr lang="en-AU" dirty="0"/>
+              <a:t>Describes a structure – a set of data element definitions, and their associated rules of usage</a:t>
+            </a:r>
+          </a:p>
+          <a:p>
+            <a:endParaRPr lang="en-US" dirty="0"/>
+          </a:p>
+        </p:txBody>
+      </p:sp>
+    </p:spTree>
+    <p:extLst>
+      <p:ext uri="{BB962C8B-B14F-4D97-AF65-F5344CB8AC3E}">
+        <p14:creationId xmlns:p14="http://schemas.microsoft.com/office/powerpoint/2010/main" val="2307991750"/>
+      </p:ext>
+    </p:extLst>
+  </p:cSld>
+  <p:clrMapOvr>
+    <a:masterClrMapping/>
+  </p:clrMapOvr>
+</p:sld>
+</file>
+
+<file path=ppt/slides/slide21.xml><?xml version="1.0" encoding="utf-8"?>
+<p:sld xmlns:a="http://schemas.openxmlformats.org/drawingml/2006/main" xmlns:r="http://schemas.openxmlformats.org/officeDocument/2006/relationships" xmlns:p="http://schemas.openxmlformats.org/presentationml/2006/main">
+  <p:cSld>
+    <p:spTree>
+      <p:nvGrpSpPr>
+        <p:cNvPr id="1" name=""/>
+        <p:cNvGrpSpPr/>
+        <p:nvPr/>
+      </p:nvGrpSpPr>
+      <p:grpSpPr>
+        <a:xfrm>
+          <a:off x="0" y="0"/>
+          <a:ext cx="0" cy="0"/>
+          <a:chOff x="0" y="0"/>
+          <a:chExt cx="0" cy="0"/>
+        </a:xfrm>
+      </p:grpSpPr>
+      <p:sp>
+        <p:nvSpPr>
+          <p:cNvPr id="2" name="Title 1">
+            <a:extLst>
+              <a:ext uri="{FF2B5EF4-FFF2-40B4-BE49-F238E27FC236}">
                 <a16:creationId xmlns:a16="http://schemas.microsoft.com/office/drawing/2014/main" id="{D17BC0AC-FE17-4A75-84CB-D276C13445CE}"/>
               </a:ext>
             </a:extLst>
@@ -6800,262 +7165,6 @@
 </p:sld>
 </file>
 
-<file path=ppt/slides/slide21.xml><?xml version="1.0" encoding="utf-8"?>
-<p:sld xmlns:a="http://schemas.openxmlformats.org/drawingml/2006/main" xmlns:r="http://schemas.openxmlformats.org/officeDocument/2006/relationships" xmlns:p="http://schemas.openxmlformats.org/presentationml/2006/main">
-  <p:cSld>
-    <p:spTree>
-      <p:nvGrpSpPr>
-        <p:cNvPr id="1" name=""/>
-        <p:cNvGrpSpPr/>
-        <p:nvPr/>
-      </p:nvGrpSpPr>
-      <p:grpSpPr>
-        <a:xfrm>
-          <a:off x="0" y="0"/>
-          <a:ext cx="0" cy="0"/>
-          <a:chOff x="0" y="0"/>
-          <a:chExt cx="0" cy="0"/>
-        </a:xfrm>
-      </p:grpSpPr>
-      <p:sp>
-        <p:nvSpPr>
-          <p:cNvPr id="2" name="Title 1">
-            <a:extLst>
-              <a:ext uri="{FF2B5EF4-FFF2-40B4-BE49-F238E27FC236}">
-                <a16:creationId xmlns:a16="http://schemas.microsoft.com/office/drawing/2014/main" id="{AA0F4BF0-DBC9-4927-96B4-F1F0A6A58E86}"/>
-              </a:ext>
-            </a:extLst>
-          </p:cNvPr>
-          <p:cNvSpPr>
-            <a:spLocks noGrp="1"/>
-          </p:cNvSpPr>
-          <p:nvPr>
-            <p:ph type="title"/>
-          </p:nvPr>
-        </p:nvSpPr>
-        <p:spPr/>
-        <p:txBody>
-          <a:bodyPr/>
-          <a:lstStyle/>
-          <a:p>
-            <a:r>
-              <a:rPr lang="en-AU" dirty="0"/>
-              <a:t>Important StructureDefinition Fields</a:t>
-            </a:r>
-            <a:endParaRPr lang="en-US" dirty="0"/>
-          </a:p>
-        </p:txBody>
-      </p:sp>
-      <p:sp>
-        <p:nvSpPr>
-          <p:cNvPr id="3" name="Content Placeholder 2">
-            <a:extLst>
-              <a:ext uri="{FF2B5EF4-FFF2-40B4-BE49-F238E27FC236}">
-                <a16:creationId xmlns:a16="http://schemas.microsoft.com/office/drawing/2014/main" id="{685BB528-88ED-4D78-97F7-388BAF769D42}"/>
-              </a:ext>
-            </a:extLst>
-          </p:cNvPr>
-          <p:cNvSpPr>
-            <a:spLocks noGrp="1"/>
-          </p:cNvSpPr>
-          <p:nvPr>
-            <p:ph idx="1"/>
-          </p:nvPr>
-        </p:nvSpPr>
-        <p:spPr/>
-        <p:txBody>
-          <a:bodyPr>
-            <a:normAutofit fontScale="55000" lnSpcReduction="20000"/>
-          </a:bodyPr>
-          <a:lstStyle/>
-          <a:p>
-            <a:pPr marL="342900" indent="-342900"/>
-            <a:r>
-              <a:rPr lang="en-US" b="1" dirty="0"/>
-              <a:t>url</a:t>
-            </a:r>
-            <a:r>
-              <a:rPr lang="en-US" b="0" dirty="0"/>
-              <a:t>: </a:t>
-            </a:r>
-            <a:r>
-              <a:rPr lang="en-US" dirty="0"/>
-              <a:t>Canonical identifier for this structure definition, represented as a URI (globally unique)</a:t>
-            </a:r>
-            <a:endParaRPr lang="en-US" b="0" dirty="0"/>
-          </a:p>
-          <a:p>
-            <a:pPr marL="342900" indent="-342900"/>
-            <a:r>
-              <a:rPr lang="en-US" b="1" dirty="0"/>
-              <a:t>name</a:t>
-            </a:r>
-            <a:r>
-              <a:rPr lang="en-US" b="0" dirty="0"/>
-              <a:t>: Name for the structure definition. Should start with a capital and should not contain spaces or special characters (can contain underscores but not dashes). E.g.: “</a:t>
-            </a:r>
-            <a:r>
-              <a:rPr lang="en-US" b="0" dirty="0" err="1"/>
-              <a:t>Test_Profile</a:t>
-            </a:r>
-            <a:r>
-              <a:rPr lang="en-US" b="0" dirty="0"/>
-              <a:t>”</a:t>
-            </a:r>
-          </a:p>
-          <a:p>
-            <a:pPr marL="342900" indent="-342900"/>
-            <a:r>
-              <a:rPr lang="en-US" b="1" dirty="0"/>
-              <a:t>title</a:t>
-            </a:r>
-            <a:r>
-              <a:rPr lang="en-US" b="0" dirty="0"/>
-              <a:t>: </a:t>
-            </a:r>
-            <a:r>
-              <a:rPr lang="en-US" dirty="0"/>
-              <a:t>A short, descriptive, user-friendly title for the structure definition. E.g.: “Test Profile”</a:t>
-            </a:r>
-            <a:endParaRPr lang="en-US" b="0" dirty="0"/>
-          </a:p>
-          <a:p>
-            <a:pPr marL="342900" indent="-342900"/>
-            <a:r>
-              <a:rPr lang="en-US" b="1" dirty="0"/>
-              <a:t>description</a:t>
-            </a:r>
-            <a:r>
-              <a:rPr lang="en-US" b="0" dirty="0"/>
-              <a:t>: </a:t>
-            </a:r>
-            <a:r>
-              <a:rPr lang="en-US" dirty="0"/>
-              <a:t>A free text natural language description of the structure definition from a consumer's perspective.</a:t>
-            </a:r>
-            <a:endParaRPr lang="en-US" b="0" dirty="0"/>
-          </a:p>
-          <a:p>
-            <a:pPr marL="342900" indent="-342900"/>
-            <a:r>
-              <a:rPr lang="en-US" b="1" dirty="0" err="1"/>
-              <a:t>fhirVersion</a:t>
-            </a:r>
-            <a:r>
-              <a:rPr lang="en-US" b="0" dirty="0"/>
-              <a:t>: The version of the FHIR specification on which this StructureDefinition is based. (e.g. 4.0.0)</a:t>
-            </a:r>
-            <a:endParaRPr lang="en-US" b="0" dirty="0">
-              <a:highlight>
-                <a:srgbClr val="FFFF00"/>
-              </a:highlight>
-            </a:endParaRPr>
-          </a:p>
-          <a:p>
-            <a:pPr marL="342900" indent="-342900"/>
-            <a:r>
-              <a:rPr lang="en-US" b="1" dirty="0"/>
-              <a:t>type</a:t>
-            </a:r>
-            <a:r>
-              <a:rPr lang="en-US" b="0" dirty="0"/>
-              <a:t>: The resource or datatype constrained by this </a:t>
-            </a:r>
-            <a:r>
-              <a:rPr lang="en-US" b="0" dirty="0" err="1"/>
-              <a:t>StructureDefiniton</a:t>
-            </a:r>
-            <a:r>
-              <a:rPr lang="en-US" b="0" dirty="0"/>
-              <a:t> (e.g. “Observation” or “Questionnaire” or “Condition”)</a:t>
-            </a:r>
-          </a:p>
-          <a:p>
-            <a:pPr marL="342900" indent="-342900"/>
-            <a:r>
-              <a:rPr lang="en-US" b="1" dirty="0" err="1"/>
-              <a:t>baseDefinition</a:t>
-            </a:r>
-            <a:r>
-              <a:rPr lang="en-US" b="0" dirty="0"/>
-              <a:t>: the base structure from which this one is derived (e.g. </a:t>
-            </a:r>
-            <a:r>
-              <a:rPr lang="en-US" dirty="0">
-                <a:hlinkClick r:id="rId2"/>
-              </a:rPr>
-              <a:t>http://hl7.org/fhir/StructureDefinition/Condition</a:t>
-            </a:r>
-            <a:r>
-              <a:rPr lang="en-US" dirty="0"/>
-              <a:t> or </a:t>
-            </a:r>
-            <a:r>
-              <a:rPr lang="en-US" dirty="0">
-                <a:hlinkClick r:id="rId3"/>
-              </a:rPr>
-              <a:t>http://hl7.org/fhir/us/core/StructureDefinition/us-core-condition</a:t>
-            </a:r>
-            <a:r>
-              <a:rPr lang="en-US" dirty="0"/>
-              <a:t> )</a:t>
-            </a:r>
-            <a:endParaRPr lang="en-US" b="0" dirty="0">
-              <a:highlight>
-                <a:srgbClr val="FFFF00"/>
-              </a:highlight>
-            </a:endParaRPr>
-          </a:p>
-          <a:p>
-            <a:pPr marL="342900" indent="-342900"/>
-            <a:r>
-              <a:rPr lang="en-US" b="1" dirty="0"/>
-              <a:t>snapshot</a:t>
-            </a:r>
-            <a:r>
-              <a:rPr lang="en-US" b="0" dirty="0"/>
-              <a:t>: Created automatically by tooling. Defines the “roll up” of all constraints from this profile and any base profiles and resources. </a:t>
-            </a:r>
-          </a:p>
-          <a:p>
-            <a:pPr marL="342900" indent="-342900"/>
-            <a:r>
-              <a:rPr lang="en-US" b="1" dirty="0"/>
-              <a:t>differential</a:t>
-            </a:r>
-            <a:r>
-              <a:rPr lang="en-US" b="0" dirty="0"/>
-              <a:t>: If present, contains one or more </a:t>
-            </a:r>
-            <a:r>
-              <a:rPr lang="en-US" b="0" dirty="0" err="1"/>
-              <a:t>ElementDefinition</a:t>
-            </a:r>
-            <a:r>
-              <a:rPr lang="en-US" b="0" dirty="0"/>
-              <a:t> types describing differences from the </a:t>
-            </a:r>
-            <a:r>
-              <a:rPr lang="en-US" b="0" dirty="0" err="1"/>
-              <a:t>baseDefinition</a:t>
-            </a:r>
-            <a:endParaRPr lang="en-US" dirty="0"/>
-          </a:p>
-        </p:txBody>
-      </p:sp>
-    </p:spTree>
-    <p:extLst>
-      <p:ext uri="{BB962C8B-B14F-4D97-AF65-F5344CB8AC3E}">
-        <p14:creationId xmlns:p14="http://schemas.microsoft.com/office/powerpoint/2010/main" val="3254861420"/>
-      </p:ext>
-    </p:extLst>
-  </p:cSld>
-  <p:clrMapOvr>
-    <a:masterClrMapping/>
-  </p:clrMapOvr>
-</p:sld>
-</file>
-
 <file path=ppt/slides/slide22.xml><?xml version="1.0" encoding="utf-8"?>
 <p:sld xmlns:a="http://schemas.openxmlformats.org/drawingml/2006/main" xmlns:r="http://schemas.openxmlformats.org/officeDocument/2006/relationships" xmlns:p="http://schemas.openxmlformats.org/presentationml/2006/main">
   <p:cSld>
@@ -7095,8 +7204,8 @@
           <a:lstStyle/>
           <a:p>
             <a:r>
-              <a:rPr lang="en-AU" dirty="0" err="1"/>
-              <a:t>StructureDefinition.element</a:t>
+              <a:rPr lang="en-AU" dirty="0"/>
+              <a:t>Important StructureDefinition Fields</a:t>
             </a:r>
             <a:endParaRPr lang="en-US" dirty="0"/>
           </a:p>
@@ -7121,19 +7230,188 @@
         <p:spPr/>
         <p:txBody>
           <a:bodyPr>
-            <a:normAutofit/>
+            <a:normAutofit fontScale="92500"/>
           </a:bodyPr>
           <a:lstStyle/>
           <a:p>
             <a:pPr marL="342900" indent="-342900"/>
-            <a:endParaRPr lang="en-US" dirty="0"/>
+            <a:r>
+              <a:rPr lang="en-US" sz="1800" b="1" dirty="0"/>
+              <a:t>url</a:t>
+            </a:r>
+            <a:r>
+              <a:rPr lang="en-US" sz="1800" b="0" dirty="0"/>
+              <a:t>: </a:t>
+            </a:r>
+            <a:r>
+              <a:rPr lang="en-US" sz="1800" dirty="0"/>
+              <a:t>Canonical identifier for this structure definition, represented as a URI (globally unique)</a:t>
+            </a:r>
+            <a:endParaRPr lang="en-US" sz="1800" b="0" dirty="0"/>
+          </a:p>
+          <a:p>
+            <a:pPr marL="342900" indent="-342900"/>
+            <a:r>
+              <a:rPr lang="en-US" sz="1800" b="1" dirty="0"/>
+              <a:t>name</a:t>
+            </a:r>
+            <a:r>
+              <a:rPr lang="en-US" sz="1800" b="0" dirty="0"/>
+              <a:t>: Name for the structure definition. Should start with a capital and should not contain spaces or special characters (can contain underscores but not dashes). E.g.: “</a:t>
+            </a:r>
+            <a:r>
+              <a:rPr lang="en-US" sz="1800" b="0" dirty="0" err="1"/>
+              <a:t>Test_Profile</a:t>
+            </a:r>
+            <a:r>
+              <a:rPr lang="en-US" sz="1800" b="0" dirty="0"/>
+              <a:t>”</a:t>
+            </a:r>
+          </a:p>
+          <a:p>
+            <a:pPr marL="342900" indent="-342900"/>
+            <a:r>
+              <a:rPr lang="en-US" sz="1800" b="1" dirty="0"/>
+              <a:t>title</a:t>
+            </a:r>
+            <a:r>
+              <a:rPr lang="en-US" sz="1800" b="0" dirty="0"/>
+              <a:t>: </a:t>
+            </a:r>
+            <a:r>
+              <a:rPr lang="en-US" sz="1800" dirty="0"/>
+              <a:t>A short, descriptive, user-friendly title for the structure definition. E.g.: “Test Profile”</a:t>
+            </a:r>
+            <a:endParaRPr lang="en-US" sz="1800" b="0" dirty="0"/>
+          </a:p>
+          <a:p>
+            <a:pPr marL="342900" indent="-342900"/>
+            <a:r>
+              <a:rPr lang="en-US" sz="1800" b="1" dirty="0"/>
+              <a:t>description</a:t>
+            </a:r>
+            <a:r>
+              <a:rPr lang="en-US" sz="1800" b="0" dirty="0"/>
+              <a:t>: </a:t>
+            </a:r>
+            <a:r>
+              <a:rPr lang="en-US" sz="1800" dirty="0"/>
+              <a:t>A free text natural language description of the structure definition from a consumer's perspective.</a:t>
+            </a:r>
+            <a:endParaRPr lang="en-US" sz="1800" b="0" dirty="0"/>
+          </a:p>
+          <a:p>
+            <a:pPr marL="342900" indent="-342900"/>
+            <a:r>
+              <a:rPr lang="en-US" sz="1800" b="1" dirty="0" err="1"/>
+              <a:t>fhirVersion</a:t>
+            </a:r>
+            <a:r>
+              <a:rPr lang="en-US" sz="1800" b="0" dirty="0"/>
+              <a:t>: The version of the FHIR specification on which this StructureDefinition is based. (e.g. 4.0.0)</a:t>
+            </a:r>
+            <a:endParaRPr lang="en-US" sz="1800" b="0" dirty="0">
+              <a:highlight>
+                <a:srgbClr val="FFFF00"/>
+              </a:highlight>
+            </a:endParaRPr>
+          </a:p>
+          <a:p>
+            <a:pPr marL="342900" indent="-342900"/>
+            <a:r>
+              <a:rPr lang="en-US" sz="1800" b="1" dirty="0"/>
+              <a:t>type</a:t>
+            </a:r>
+            <a:r>
+              <a:rPr lang="en-US" sz="1800" b="0" dirty="0"/>
+              <a:t>: The resource or datatype constrained by this </a:t>
+            </a:r>
+            <a:r>
+              <a:rPr lang="en-US" sz="1800" b="0" dirty="0" err="1"/>
+              <a:t>StructureDefiniton</a:t>
+            </a:r>
+            <a:r>
+              <a:rPr lang="en-US" sz="1800" b="0" dirty="0"/>
+              <a:t> (e.g. “Observation” or “Questionnaire” or “Condition”)</a:t>
+            </a:r>
+          </a:p>
+          <a:p>
+            <a:pPr marL="342900" indent="-342900"/>
+            <a:r>
+              <a:rPr lang="en-US" sz="1800" b="1" dirty="0" err="1"/>
+              <a:t>baseDefinition</a:t>
+            </a:r>
+            <a:r>
+              <a:rPr lang="en-US" sz="1800" b="0" dirty="0"/>
+              <a:t>: the base structure from which this one is derived (e.g. </a:t>
+            </a:r>
+            <a:r>
+              <a:rPr lang="en-US" sz="1800" dirty="0">
+                <a:hlinkClick r:id="rId2"/>
+              </a:rPr>
+              <a:t>http://hl7.org/fhir/StructureDefinition/Condition</a:t>
+            </a:r>
+            <a:r>
+              <a:rPr lang="en-US" sz="1800" dirty="0"/>
+              <a:t> or </a:t>
+            </a:r>
+            <a:r>
+              <a:rPr lang="en-US" sz="1800" dirty="0">
+                <a:hlinkClick r:id="rId3"/>
+              </a:rPr>
+              <a:t>http://hl7.org/fhir/us/core/StructureDefinition/us-core-condition</a:t>
+            </a:r>
+            <a:r>
+              <a:rPr lang="en-US" sz="1800" dirty="0"/>
+              <a:t> )</a:t>
+            </a:r>
+            <a:endParaRPr lang="en-US" sz="1800" b="0" dirty="0">
+              <a:highlight>
+                <a:srgbClr val="FFFF00"/>
+              </a:highlight>
+            </a:endParaRPr>
+          </a:p>
+          <a:p>
+            <a:pPr marL="342900" indent="-342900"/>
+            <a:r>
+              <a:rPr lang="en-US" sz="1800" b="1" dirty="0"/>
+              <a:t>snapshot</a:t>
+            </a:r>
+            <a:r>
+              <a:rPr lang="en-US" sz="1800" b="0" dirty="0"/>
+              <a:t>: Created automatically by tooling. Defines the “roll up” of all constraints from this profile and any base profiles and resources. </a:t>
+            </a:r>
+          </a:p>
+          <a:p>
+            <a:pPr marL="342900" indent="-342900"/>
+            <a:r>
+              <a:rPr lang="en-US" sz="1800" b="1" dirty="0"/>
+              <a:t>differential</a:t>
+            </a:r>
+            <a:r>
+              <a:rPr lang="en-US" sz="1800" b="0" dirty="0"/>
+              <a:t>: If present, contains one or more </a:t>
+            </a:r>
+            <a:r>
+              <a:rPr lang="en-US" sz="1800" b="0" dirty="0" err="1"/>
+              <a:t>ElementDefinition</a:t>
+            </a:r>
+            <a:r>
+              <a:rPr lang="en-US" sz="1800" b="0" dirty="0"/>
+              <a:t> types describing differences from the </a:t>
+            </a:r>
+            <a:r>
+              <a:rPr lang="en-US" sz="1800" b="0" dirty="0" err="1"/>
+              <a:t>baseDefinition</a:t>
+            </a:r>
+            <a:endParaRPr lang="en-US" sz="1800" dirty="0"/>
           </a:p>
         </p:txBody>
       </p:sp>
     </p:spTree>
     <p:extLst>
       <p:ext uri="{BB962C8B-B14F-4D97-AF65-F5344CB8AC3E}">
-        <p14:creationId xmlns:p14="http://schemas.microsoft.com/office/powerpoint/2010/main" val="2422693275"/>
+        <p14:creationId xmlns:p14="http://schemas.microsoft.com/office/powerpoint/2010/main" val="3254861420"/>
       </p:ext>
     </p:extLst>
   </p:cSld>
@@ -7165,7 +7443,7 @@
           <p:cNvPr id="2" name="Title 1">
             <a:extLst>
               <a:ext uri="{FF2B5EF4-FFF2-40B4-BE49-F238E27FC236}">
-                <a16:creationId xmlns:a16="http://schemas.microsoft.com/office/drawing/2014/main" id="{864F79E6-97CF-45BB-A7EE-5A6B87B95773}"/>
+                <a16:creationId xmlns:a16="http://schemas.microsoft.com/office/drawing/2014/main" id="{AA0F4BF0-DBC9-4927-96B4-F1F0A6A58E86}"/>
               </a:ext>
             </a:extLst>
           </p:cNvPr>
@@ -7183,45 +7461,145 @@
           <a:p>
             <a:r>
               <a:rPr lang="en-AU" dirty="0" err="1"/>
-              <a:t>ValueSet</a:t>
-            </a:r>
+              <a:t>StructureDefinition.element</a:t>
+            </a:r>
+            <a:endParaRPr lang="en-US" dirty="0"/>
+          </a:p>
+        </p:txBody>
+      </p:sp>
+      <p:sp>
+        <p:nvSpPr>
+          <p:cNvPr id="3" name="Content Placeholder 2">
+            <a:extLst>
+              <a:ext uri="{FF2B5EF4-FFF2-40B4-BE49-F238E27FC236}">
+                <a16:creationId xmlns:a16="http://schemas.microsoft.com/office/drawing/2014/main" id="{685BB528-88ED-4D78-97F7-388BAF769D42}"/>
+              </a:ext>
+            </a:extLst>
+          </p:cNvPr>
+          <p:cNvSpPr>
+            <a:spLocks noGrp="1"/>
+          </p:cNvSpPr>
+          <p:nvPr>
+            <p:ph idx="1"/>
+          </p:nvPr>
+        </p:nvSpPr>
+        <p:spPr/>
+        <p:txBody>
+          <a:bodyPr>
+            <a:normAutofit fontScale="85000" lnSpcReduction="20000"/>
+          </a:bodyPr>
+          <a:lstStyle/>
+          <a:p>
+            <a:pPr marL="342900" indent="-342900"/>
             <a:r>
               <a:rPr lang="en-AU" dirty="0"/>
-              <a:t> Resource</a:t>
-            </a:r>
+              <a:t>The Snapshot and Differential contain the definition of the structure being defined</a:t>
+            </a:r>
+          </a:p>
+          <a:p>
+            <a:pPr marL="342900" indent="-342900"/>
+            <a:r>
+              <a:rPr lang="en-AU" dirty="0"/>
+              <a:t>Made up of multiple “element” data elements</a:t>
+            </a:r>
+          </a:p>
+          <a:p>
+            <a:pPr marL="342900" indent="-342900"/>
+            <a:r>
+              <a:rPr lang="en-AU" dirty="0" err="1"/>
+              <a:t>ElementDefinition</a:t>
+            </a:r>
+            <a:r>
+              <a:rPr lang="en-AU" dirty="0"/>
+              <a:t> data type</a:t>
+            </a:r>
+          </a:p>
+          <a:p>
+            <a:r>
+              <a:rPr lang="en-US" dirty="0"/>
+              <a:t>includes:</a:t>
+            </a:r>
+          </a:p>
+          <a:p>
+            <a:pPr lvl="1">
+              <a:buFont typeface="Arial" panose="020B0604020202020204" pitchFamily="34" charset="0"/>
+              <a:buChar char="•"/>
+            </a:pPr>
+            <a:r>
+              <a:rPr lang="en-US" dirty="0"/>
+              <a:t>Path (name), Cardinality, and data type</a:t>
+            </a:r>
+          </a:p>
+          <a:p>
+            <a:pPr lvl="1">
+              <a:buFont typeface="Arial" panose="020B0604020202020204" pitchFamily="34" charset="0"/>
+              <a:buChar char="•"/>
+            </a:pPr>
+            <a:r>
+              <a:rPr lang="en-US" dirty="0"/>
+              <a:t>Definitions, usage notes, and requirements</a:t>
+            </a:r>
+          </a:p>
+          <a:p>
+            <a:pPr lvl="1">
+              <a:buFont typeface="Arial" panose="020B0604020202020204" pitchFamily="34" charset="0"/>
+              <a:buChar char="•"/>
+            </a:pPr>
+            <a:r>
+              <a:rPr lang="en-US" dirty="0"/>
+              <a:t>Default or fixed values</a:t>
+            </a:r>
+          </a:p>
+          <a:p>
+            <a:pPr lvl="1">
+              <a:buFont typeface="Arial" panose="020B0604020202020204" pitchFamily="34" charset="0"/>
+              <a:buChar char="•"/>
+            </a:pPr>
+            <a:r>
+              <a:rPr lang="en-US" dirty="0"/>
+              <a:t>Constraints, Length limits, and other usage rules</a:t>
+            </a:r>
+          </a:p>
+          <a:p>
+            <a:pPr lvl="1">
+              <a:buFont typeface="Arial" panose="020B0604020202020204" pitchFamily="34" charset="0"/>
+              <a:buChar char="•"/>
+            </a:pPr>
+            <a:r>
+              <a:rPr lang="en-US" dirty="0"/>
+              <a:t>Terminology Binding</a:t>
+            </a:r>
+          </a:p>
+          <a:p>
+            <a:pPr lvl="1">
+              <a:buFont typeface="Arial" panose="020B0604020202020204" pitchFamily="34" charset="0"/>
+              <a:buChar char="•"/>
+            </a:pPr>
+            <a:r>
+              <a:rPr lang="en-US" dirty="0"/>
+              <a:t>Mappings to other specifications</a:t>
+            </a:r>
+          </a:p>
+          <a:p>
+            <a:pPr lvl="1">
+              <a:buFont typeface="Arial" panose="020B0604020202020204" pitchFamily="34" charset="0"/>
+              <a:buChar char="•"/>
+            </a:pPr>
+            <a:r>
+              <a:rPr lang="en-US" dirty="0"/>
+              <a:t>Structural Usage Information such as Slicing</a:t>
+            </a:r>
+          </a:p>
+          <a:p>
+            <a:pPr marL="342900" indent="-342900"/>
             <a:endParaRPr lang="en-US" dirty="0"/>
-          </a:p>
-        </p:txBody>
-      </p:sp>
-      <p:sp>
-        <p:nvSpPr>
-          <p:cNvPr id="3" name="Content Placeholder 2">
-            <a:extLst>
-              <a:ext uri="{FF2B5EF4-FFF2-40B4-BE49-F238E27FC236}">
-                <a16:creationId xmlns:a16="http://schemas.microsoft.com/office/drawing/2014/main" id="{01404E38-9B55-440E-AF6D-6EB4F3107634}"/>
-              </a:ext>
-            </a:extLst>
-          </p:cNvPr>
-          <p:cNvSpPr>
-            <a:spLocks noGrp="1"/>
-          </p:cNvSpPr>
-          <p:nvPr>
-            <p:ph idx="1"/>
-          </p:nvPr>
-        </p:nvSpPr>
-        <p:spPr/>
-        <p:txBody>
-          <a:bodyPr/>
-          <a:lstStyle/>
-          <a:p>
-            <a:endParaRPr lang="en-US"/>
           </a:p>
         </p:txBody>
       </p:sp>
     </p:spTree>
     <p:extLst>
       <p:ext uri="{BB962C8B-B14F-4D97-AF65-F5344CB8AC3E}">
-        <p14:creationId xmlns:p14="http://schemas.microsoft.com/office/powerpoint/2010/main" val="3129256262"/>
+        <p14:creationId xmlns:p14="http://schemas.microsoft.com/office/powerpoint/2010/main" val="2422693275"/>
       </p:ext>
     </p:extLst>
   </p:cSld>
@@ -7253,7 +7631,7 @@
           <p:cNvPr id="2" name="Title 1">
             <a:extLst>
               <a:ext uri="{FF2B5EF4-FFF2-40B4-BE49-F238E27FC236}">
-                <a16:creationId xmlns:a16="http://schemas.microsoft.com/office/drawing/2014/main" id="{F08DD878-3C71-41D7-B197-3E8B1E5DA6F5}"/>
+                <a16:creationId xmlns:a16="http://schemas.microsoft.com/office/drawing/2014/main" id="{2CB8E89B-EFC4-462B-B082-8EA4E6687879}"/>
               </a:ext>
             </a:extLst>
           </p:cNvPr>
@@ -7270,8 +7648,8 @@
           <a:lstStyle/>
           <a:p>
             <a:r>
-              <a:rPr lang="en-AU" dirty="0"/>
-              <a:t>CodeSystem Resource</a:t>
+              <a:rPr lang="en-AU" dirty="0" err="1"/>
+              <a:t>StructureDefinition.element</a:t>
             </a:r>
             <a:endParaRPr lang="en-US" dirty="0"/>
           </a:p>
@@ -7282,7 +7660,7 @@
           <p:cNvPr id="3" name="Content Placeholder 2">
             <a:extLst>
               <a:ext uri="{FF2B5EF4-FFF2-40B4-BE49-F238E27FC236}">
-                <a16:creationId xmlns:a16="http://schemas.microsoft.com/office/drawing/2014/main" id="{8E0C053C-08D8-4459-AA02-73FE24C72CE4}"/>
+                <a16:creationId xmlns:a16="http://schemas.microsoft.com/office/drawing/2014/main" id="{2A339913-0DEB-45B4-BB2E-DC2F7F96B8E9}"/>
               </a:ext>
             </a:extLst>
           </p:cNvPr>
@@ -7298,14 +7676,365 @@
           <a:bodyPr/>
           <a:lstStyle/>
           <a:p>
-            <a:endParaRPr lang="en-US"/>
+            <a:pPr marL="0" indent="0">
+              <a:buNone/>
+            </a:pPr>
+            <a:r>
+              <a:rPr lang="en-US" sz="2400" dirty="0" err="1"/>
+              <a:t>StructureDefinition.element</a:t>
+            </a:r>
+            <a:r>
+              <a:rPr lang="en-US" sz="2400" dirty="0"/>
+              <a:t> (type=</a:t>
+            </a:r>
+            <a:r>
+              <a:rPr lang="en-US" sz="2400" dirty="0" err="1"/>
+              <a:t>ElementDefinition</a:t>
+            </a:r>
+            <a:r>
+              <a:rPr lang="en-US" sz="2400" dirty="0"/>
+              <a:t>) – important fields:</a:t>
+            </a:r>
+          </a:p>
+          <a:p>
+            <a:pPr>
+              <a:buFont typeface="Arial" panose="020B0604020202020204" pitchFamily="34" charset="0"/>
+              <a:buChar char="•"/>
+            </a:pPr>
+            <a:r>
+              <a:rPr lang="en-US" sz="1800" b="1" dirty="0"/>
+              <a:t>path</a:t>
+            </a:r>
+            <a:r>
+              <a:rPr lang="en-US" sz="1800" dirty="0"/>
+              <a:t>: path of the element in the hierarchy (e.g. </a:t>
+            </a:r>
+            <a:r>
+              <a:rPr lang="en-US" sz="1800" dirty="0" err="1"/>
+              <a:t>Communication.topic</a:t>
+            </a:r>
+            <a:r>
+              <a:rPr lang="en-US" sz="1800" dirty="0"/>
+              <a:t>)</a:t>
+            </a:r>
+          </a:p>
+          <a:p>
+            <a:pPr>
+              <a:buFont typeface="Arial" panose="020B0604020202020204" pitchFamily="34" charset="0"/>
+              <a:buChar char="•"/>
+            </a:pPr>
+            <a:r>
+              <a:rPr lang="en-US" sz="1800" b="1" dirty="0" err="1"/>
+              <a:t>sliceName</a:t>
+            </a:r>
+            <a:r>
+              <a:rPr lang="en-US" sz="1800" dirty="0"/>
+              <a:t>: name for this particular slice (in a set of slices)</a:t>
+            </a:r>
+          </a:p>
+          <a:p>
+            <a:pPr>
+              <a:buFont typeface="Arial" panose="020B0604020202020204" pitchFamily="34" charset="0"/>
+              <a:buChar char="•"/>
+            </a:pPr>
+            <a:r>
+              <a:rPr lang="en-US" sz="1800" b="1" dirty="0"/>
+              <a:t>slicing</a:t>
+            </a:r>
+            <a:r>
+              <a:rPr lang="en-US" sz="1800" dirty="0"/>
+              <a:t>: declares that this element will be sliced and contains the slicing information</a:t>
+            </a:r>
+          </a:p>
+          <a:p>
+            <a:pPr>
+              <a:buFont typeface="Arial" panose="020B0604020202020204" pitchFamily="34" charset="0"/>
+              <a:buChar char="•"/>
+            </a:pPr>
+            <a:r>
+              <a:rPr lang="en-US" sz="1800" b="1" dirty="0"/>
+              <a:t>short</a:t>
+            </a:r>
+            <a:r>
+              <a:rPr lang="en-US" sz="1800" dirty="0"/>
+              <a:t>: a short description of the element</a:t>
+            </a:r>
+          </a:p>
+          <a:p>
+            <a:pPr>
+              <a:buFont typeface="Arial" panose="020B0604020202020204" pitchFamily="34" charset="0"/>
+              <a:buChar char="•"/>
+            </a:pPr>
+            <a:r>
+              <a:rPr lang="en-US" sz="1800" b="1" dirty="0"/>
+              <a:t>definition</a:t>
+            </a:r>
+            <a:r>
+              <a:rPr lang="en-US" sz="1800" dirty="0"/>
+              <a:t>: the full description of the element</a:t>
+            </a:r>
+          </a:p>
+          <a:p>
+            <a:pPr>
+              <a:buFont typeface="Arial" panose="020B0604020202020204" pitchFamily="34" charset="0"/>
+              <a:buChar char="•"/>
+            </a:pPr>
+            <a:r>
+              <a:rPr lang="en-US" sz="1800" b="1" dirty="0"/>
+              <a:t>min</a:t>
+            </a:r>
+            <a:r>
+              <a:rPr lang="en-US" sz="1800" dirty="0"/>
+              <a:t>: the minimum cardinality of the element</a:t>
+            </a:r>
+          </a:p>
+          <a:p>
+            <a:pPr>
+              <a:buFont typeface="Arial" panose="020B0604020202020204" pitchFamily="34" charset="0"/>
+              <a:buChar char="•"/>
+            </a:pPr>
+            <a:r>
+              <a:rPr lang="en-US" sz="1800" b="1" dirty="0"/>
+              <a:t>max</a:t>
+            </a:r>
+            <a:r>
+              <a:rPr lang="en-US" sz="1800" dirty="0"/>
+              <a:t>: the maximum cardinality of the element</a:t>
+            </a:r>
+          </a:p>
+          <a:p>
+            <a:pPr>
+              <a:buFont typeface="Arial" panose="020B0604020202020204" pitchFamily="34" charset="0"/>
+              <a:buChar char="•"/>
+            </a:pPr>
+            <a:r>
+              <a:rPr lang="en-US" sz="1800" b="1" dirty="0"/>
+              <a:t>type</a:t>
+            </a:r>
+            <a:r>
+              <a:rPr lang="en-US" sz="1800" dirty="0"/>
+              <a:t>: the datatype, resource, or profile of the element</a:t>
+            </a:r>
+          </a:p>
+          <a:p>
+            <a:pPr>
+              <a:buFont typeface="Arial" panose="020B0604020202020204" pitchFamily="34" charset="0"/>
+              <a:buChar char="•"/>
+            </a:pPr>
+            <a:r>
+              <a:rPr lang="en-US" sz="1800" b="1" dirty="0"/>
+              <a:t>fixed</a:t>
+            </a:r>
+            <a:r>
+              <a:rPr lang="en-US" sz="1800" dirty="0"/>
+              <a:t>: value must be exactly this</a:t>
+            </a:r>
+          </a:p>
+          <a:p>
+            <a:pPr>
+              <a:buFont typeface="Arial" panose="020B0604020202020204" pitchFamily="34" charset="0"/>
+              <a:buChar char="•"/>
+            </a:pPr>
+            <a:r>
+              <a:rPr lang="en-US" sz="1800" b="1" dirty="0"/>
+              <a:t>pattern</a:t>
+            </a:r>
+            <a:r>
+              <a:rPr lang="en-US" sz="1800" dirty="0"/>
+              <a:t>: value of the element must have at least these property values</a:t>
+            </a:r>
+          </a:p>
+          <a:p>
+            <a:pPr>
+              <a:buFont typeface="Arial" panose="020B0604020202020204" pitchFamily="34" charset="0"/>
+              <a:buChar char="•"/>
+            </a:pPr>
+            <a:r>
+              <a:rPr lang="en-US" sz="1800" b="1" dirty="0" err="1"/>
+              <a:t>mustSupport</a:t>
+            </a:r>
+            <a:r>
+              <a:rPr lang="en-US" sz="1800" dirty="0"/>
+              <a:t>: if the element must be supported</a:t>
+            </a:r>
+          </a:p>
+          <a:p>
+            <a:pPr>
+              <a:buFont typeface="Arial" panose="020B0604020202020204" pitchFamily="34" charset="0"/>
+              <a:buChar char="•"/>
+            </a:pPr>
+            <a:r>
+              <a:rPr lang="en-US" sz="1800" b="1" dirty="0"/>
+              <a:t>binding</a:t>
+            </a:r>
+            <a:r>
+              <a:rPr lang="en-US" sz="1800" dirty="0"/>
+              <a:t>: value set binding, if this element is coded</a:t>
+            </a:r>
+          </a:p>
+          <a:p>
+            <a:endParaRPr lang="en-US" dirty="0"/>
+          </a:p>
+        </p:txBody>
+      </p:sp>
+      <p:sp>
+        <p:nvSpPr>
+          <p:cNvPr id="4" name="Slide Number Placeholder 3">
+            <a:extLst>
+              <a:ext uri="{FF2B5EF4-FFF2-40B4-BE49-F238E27FC236}">
+                <a16:creationId xmlns:a16="http://schemas.microsoft.com/office/drawing/2014/main" id="{AE8CB148-F0D1-4EBB-9261-0A60F95D44DA}"/>
+              </a:ext>
+            </a:extLst>
+          </p:cNvPr>
+          <p:cNvSpPr>
+            <a:spLocks noGrp="1"/>
+          </p:cNvSpPr>
+          <p:nvPr>
+            <p:ph type="sldNum" sz="quarter" idx="11"/>
+          </p:nvPr>
+        </p:nvSpPr>
+        <p:spPr/>
+        <p:txBody>
+          <a:bodyPr/>
+          <a:lstStyle/>
+          <a:p>
+            <a:fld id="{DD8FDF0E-2772-4D89-9F72-F3CB15D8B8AB}" type="slidenum">
+              <a:rPr lang="en-US" smtClean="0"/>
+              <a:pPr/>
+              <a:t>24</a:t>
+            </a:fld>
+            <a:endParaRPr lang="en-US" dirty="0"/>
           </a:p>
         </p:txBody>
       </p:sp>
     </p:spTree>
     <p:extLst>
       <p:ext uri="{BB962C8B-B14F-4D97-AF65-F5344CB8AC3E}">
-        <p14:creationId xmlns:p14="http://schemas.microsoft.com/office/powerpoint/2010/main" val="438603146"/>
+        <p14:creationId xmlns:p14="http://schemas.microsoft.com/office/powerpoint/2010/main" val="350299619"/>
+      </p:ext>
+    </p:extLst>
+  </p:cSld>
+  <p:clrMapOvr>
+    <a:masterClrMapping/>
+  </p:clrMapOvr>
+</p:sld>
+</file>
+
+<file path=ppt/slides/slide25.xml><?xml version="1.0" encoding="utf-8"?>
+<p:sld xmlns:a="http://schemas.openxmlformats.org/drawingml/2006/main" xmlns:r="http://schemas.openxmlformats.org/officeDocument/2006/relationships" xmlns:p="http://schemas.openxmlformats.org/presentationml/2006/main">
+  <p:cSld>
+    <p:spTree>
+      <p:nvGrpSpPr>
+        <p:cNvPr id="1" name=""/>
+        <p:cNvGrpSpPr/>
+        <p:nvPr/>
+      </p:nvGrpSpPr>
+      <p:grpSpPr>
+        <a:xfrm>
+          <a:off x="0" y="0"/>
+          <a:ext cx="0" cy="0"/>
+          <a:chOff x="0" y="0"/>
+          <a:chExt cx="0" cy="0"/>
+        </a:xfrm>
+      </p:grpSpPr>
+      <p:sp>
+        <p:nvSpPr>
+          <p:cNvPr id="2" name="Title 1">
+            <a:extLst>
+              <a:ext uri="{FF2B5EF4-FFF2-40B4-BE49-F238E27FC236}">
+                <a16:creationId xmlns:a16="http://schemas.microsoft.com/office/drawing/2014/main" id="{683C1417-2E3C-4363-8C63-8A4F8E91C175}"/>
+              </a:ext>
+            </a:extLst>
+          </p:cNvPr>
+          <p:cNvSpPr>
+            <a:spLocks noGrp="1"/>
+          </p:cNvSpPr>
+          <p:nvPr>
+            <p:ph type="title"/>
+          </p:nvPr>
+        </p:nvSpPr>
+        <p:spPr/>
+        <p:txBody>
+          <a:bodyPr/>
+          <a:lstStyle/>
+          <a:p>
+            <a:r>
+              <a:rPr lang="en-AU" dirty="0"/>
+              <a:t>US Core Patient</a:t>
+            </a:r>
+            <a:endParaRPr lang="en-US" dirty="0"/>
+          </a:p>
+        </p:txBody>
+      </p:sp>
+      <p:sp>
+        <p:nvSpPr>
+          <p:cNvPr id="3" name="Content Placeholder 2">
+            <a:extLst>
+              <a:ext uri="{FF2B5EF4-FFF2-40B4-BE49-F238E27FC236}">
+                <a16:creationId xmlns:a16="http://schemas.microsoft.com/office/drawing/2014/main" id="{24A5D262-C580-4CD9-A7F3-BC188FA8E7EC}"/>
+              </a:ext>
+            </a:extLst>
+          </p:cNvPr>
+          <p:cNvSpPr>
+            <a:spLocks noGrp="1"/>
+          </p:cNvSpPr>
+          <p:nvPr>
+            <p:ph idx="1"/>
+          </p:nvPr>
+        </p:nvSpPr>
+        <p:spPr/>
+        <p:txBody>
+          <a:bodyPr/>
+          <a:lstStyle/>
+          <a:p>
+            <a:r>
+              <a:rPr lang="en-AU" dirty="0"/>
+              <a:t>Live walkthrough of US Core Patient: </a:t>
+            </a:r>
+            <a:r>
+              <a:rPr lang="en-US" dirty="0">
+                <a:hlinkClick r:id="rId2"/>
+              </a:rPr>
+              <a:t>https://www.hl7.org/fhir/us/core/StructureDefinition-us-core-patient.html</a:t>
+            </a:r>
+            <a:endParaRPr lang="en-US" dirty="0"/>
+          </a:p>
+        </p:txBody>
+      </p:sp>
+      <p:sp>
+        <p:nvSpPr>
+          <p:cNvPr id="4" name="Slide Number Placeholder 3">
+            <a:extLst>
+              <a:ext uri="{FF2B5EF4-FFF2-40B4-BE49-F238E27FC236}">
+                <a16:creationId xmlns:a16="http://schemas.microsoft.com/office/drawing/2014/main" id="{182C936F-7356-40C7-A404-54F329754172}"/>
+              </a:ext>
+            </a:extLst>
+          </p:cNvPr>
+          <p:cNvSpPr>
+            <a:spLocks noGrp="1"/>
+          </p:cNvSpPr>
+          <p:nvPr>
+            <p:ph type="sldNum" sz="quarter" idx="11"/>
+          </p:nvPr>
+        </p:nvSpPr>
+        <p:spPr/>
+        <p:txBody>
+          <a:bodyPr/>
+          <a:lstStyle/>
+          <a:p>
+            <a:fld id="{DD8FDF0E-2772-4D89-9F72-F3CB15D8B8AB}" type="slidenum">
+              <a:rPr lang="en-US" smtClean="0"/>
+              <a:pPr/>
+              <a:t>25</a:t>
+            </a:fld>
+            <a:endParaRPr lang="en-US" dirty="0"/>
+          </a:p>
+        </p:txBody>
+      </p:sp>
+    </p:spTree>
+    <p:extLst>
+      <p:ext uri="{BB962C8B-B14F-4D97-AF65-F5344CB8AC3E}">
+        <p14:creationId xmlns:p14="http://schemas.microsoft.com/office/powerpoint/2010/main" val="2221729172"/>
       </p:ext>
     </p:extLst>
   </p:cSld>
@@ -7381,7 +8110,7 @@
               <a:rPr lang="en-CA" dirty="0">
                 <a:hlinkClick r:id="rId2"/>
               </a:rPr>
-              <a:t>https://github.com/FHIR/documents/blob/master/presentations/???.pptx</a:t>
+              <a:t>https://github.com/FHIR/documents/blob/master/presentations/2019-09 IG Training/FHIR Profiling - Sarah.pptx</a:t>
             </a:r>
             <a:endParaRPr lang="en-CA" dirty="0"/>
           </a:p>
@@ -7546,12 +8275,88 @@
           <a:lstStyle/>
           <a:p>
             <a:r>
-              <a:rPr lang="en-AU" dirty="0"/>
+              <a:rPr lang="en-AU" sz="2000" dirty="0"/>
               <a:t>Profiling purpose</a:t>
             </a:r>
           </a:p>
           <a:p>
-            <a:endParaRPr lang="en-US" dirty="0"/>
+            <a:r>
+              <a:rPr lang="en-AU" sz="2000" dirty="0"/>
+              <a:t>Profile</a:t>
+            </a:r>
+          </a:p>
+          <a:p>
+            <a:r>
+              <a:rPr lang="en-AU" sz="2000" dirty="0"/>
+              <a:t>Profile Snapshot &amp; Differential</a:t>
+            </a:r>
+          </a:p>
+          <a:p>
+            <a:r>
+              <a:rPr lang="en-AU" sz="2000" dirty="0"/>
+              <a:t>Profiling Steps</a:t>
+            </a:r>
+          </a:p>
+          <a:p>
+            <a:r>
+              <a:rPr lang="en-AU" sz="2000" dirty="0"/>
+              <a:t>Types of Constraints</a:t>
+            </a:r>
+          </a:p>
+          <a:p>
+            <a:r>
+              <a:rPr lang="en-AU" sz="2000" dirty="0"/>
+              <a:t>Cardinality</a:t>
+            </a:r>
+          </a:p>
+          <a:p>
+            <a:r>
+              <a:rPr lang="en-AU" sz="2000" dirty="0"/>
+              <a:t>Terminology</a:t>
+            </a:r>
+          </a:p>
+          <a:p>
+            <a:r>
+              <a:rPr lang="en-AU" sz="2000" dirty="0"/>
+              <a:t>Slicing </a:t>
+            </a:r>
+          </a:p>
+          <a:p>
+            <a:r>
+              <a:rPr lang="en-AU" sz="2000" dirty="0"/>
+              <a:t>Must support</a:t>
+            </a:r>
+          </a:p>
+          <a:p>
+            <a:r>
+              <a:rPr lang="en-AU" sz="2000" dirty="0"/>
+              <a:t>StructureDefinition</a:t>
+            </a:r>
+          </a:p>
+          <a:p>
+            <a:r>
+              <a:rPr lang="en-AU" sz="2000" dirty="0" err="1"/>
+              <a:t>ElementDefinition</a:t>
+            </a:r>
+            <a:endParaRPr lang="en-AU" sz="2000" dirty="0"/>
+          </a:p>
+          <a:p>
+            <a:r>
+              <a:rPr lang="en-AU" sz="2000" dirty="0"/>
+              <a:t>US Core Patient</a:t>
+            </a:r>
+          </a:p>
+          <a:p>
+            <a:endParaRPr lang="en-AU" sz="2000" dirty="0"/>
+          </a:p>
+          <a:p>
+            <a:endParaRPr lang="en-AU" sz="2000" dirty="0"/>
+          </a:p>
+          <a:p>
+            <a:endParaRPr lang="en-AU" sz="2000" dirty="0"/>
+          </a:p>
+          <a:p>
+            <a:endParaRPr lang="en-US" sz="2000" dirty="0"/>
           </a:p>
         </p:txBody>
       </p:sp>
@@ -8129,6 +8934,12 @@
             <a:r>
               <a:rPr lang="en-AU" dirty="0"/>
               <a:t>Add terminology bindings</a:t>
+            </a:r>
+          </a:p>
+          <a:p>
+            <a:r>
+              <a:rPr lang="en-AU" dirty="0"/>
+              <a:t>Slicing</a:t>
             </a:r>
           </a:p>
           <a:p>
